--- a/Для настроения.pptx
+++ b/Для настроения.pptx
@@ -8,7 +8,24 @@
     <p:sldId id="256" r:id="rId2"/>
     <p:sldId id="258" r:id="rId3"/>
     <p:sldId id="259" r:id="rId4"/>
-    <p:sldId id="260" r:id="rId5"/>
+    <p:sldId id="261" r:id="rId5"/>
+    <p:sldId id="262" r:id="rId6"/>
+    <p:sldId id="263" r:id="rId7"/>
+    <p:sldId id="264" r:id="rId8"/>
+    <p:sldId id="265" r:id="rId9"/>
+    <p:sldId id="266" r:id="rId10"/>
+    <p:sldId id="267" r:id="rId11"/>
+    <p:sldId id="268" r:id="rId12"/>
+    <p:sldId id="269" r:id="rId13"/>
+    <p:sldId id="270" r:id="rId14"/>
+    <p:sldId id="271" r:id="rId15"/>
+    <p:sldId id="272" r:id="rId16"/>
+    <p:sldId id="273" r:id="rId17"/>
+    <p:sldId id="274" r:id="rId18"/>
+    <p:sldId id="275" r:id="rId19"/>
+    <p:sldId id="276" r:id="rId20"/>
+    <p:sldId id="260" r:id="rId21"/>
+    <p:sldId id="277" r:id="rId22"/>
   </p:sldIdLst>
   <p:sldSz cx="12192000" cy="6858000"/>
   <p:notesSz cx="6858000" cy="9144000"/>
@@ -107,6 +124,11 @@
       </a:defRPr>
     </a:lvl9pPr>
   </p:defaultTextStyle>
+  <p:extLst>
+    <p:ext uri="{EFAFB233-063F-42B5-8137-9DF3F51BA10A}">
+      <p15:sldGuideLst xmlns:p15="http://schemas.microsoft.com/office/powerpoint/2012/main"/>
+    </p:ext>
+  </p:extLst>
 </p:presentation>
 </file>
 
@@ -249,7 +271,7 @@
           <a:p>
             <a:fld id="{48A87A34-81AB-432B-8DAE-1953F412C126}" type="datetimeFigureOut">
               <a:rPr lang="en-US" dirty="0"/>
-              <a:t>4/30/2024</a:t>
+              <a:t>5/1/2024</a:t>
             </a:fld>
             <a:endParaRPr lang="en-US" dirty="0"/>
           </a:p>
@@ -455,7 +477,7 @@
           <a:p>
             <a:fld id="{48A87A34-81AB-432B-8DAE-1953F412C126}" type="datetimeFigureOut">
               <a:rPr lang="en-US" dirty="0"/>
-              <a:t>4/30/2024</a:t>
+              <a:t>5/1/2024</a:t>
             </a:fld>
             <a:endParaRPr lang="en-US" dirty="0"/>
           </a:p>
@@ -665,7 +687,7 @@
           <a:p>
             <a:fld id="{48A87A34-81AB-432B-8DAE-1953F412C126}" type="datetimeFigureOut">
               <a:rPr lang="en-US" dirty="0"/>
-              <a:t>4/30/2024</a:t>
+              <a:t>5/1/2024</a:t>
             </a:fld>
             <a:endParaRPr lang="en-US" dirty="0"/>
           </a:p>
@@ -861,7 +883,7 @@
           <a:p>
             <a:fld id="{48A87A34-81AB-432B-8DAE-1953F412C126}" type="datetimeFigureOut">
               <a:rPr lang="en-US" dirty="0"/>
-              <a:t>4/30/2024</a:t>
+              <a:t>5/1/2024</a:t>
             </a:fld>
             <a:endParaRPr lang="en-US" dirty="0"/>
           </a:p>
@@ -1135,7 +1157,7 @@
           <a:p>
             <a:fld id="{48A87A34-81AB-432B-8DAE-1953F412C126}" type="datetimeFigureOut">
               <a:rPr lang="en-US" dirty="0"/>
-              <a:t>4/30/2024</a:t>
+              <a:t>5/1/2024</a:t>
             </a:fld>
             <a:endParaRPr lang="en-US" dirty="0"/>
           </a:p>
@@ -1398,7 +1420,7 @@
           <a:p>
             <a:fld id="{48A87A34-81AB-432B-8DAE-1953F412C126}" type="datetimeFigureOut">
               <a:rPr lang="en-US" dirty="0"/>
-              <a:t>4/30/2024</a:t>
+              <a:t>5/1/2024</a:t>
             </a:fld>
             <a:endParaRPr lang="en-US" dirty="0"/>
           </a:p>
@@ -1809,7 +1831,7 @@
           <a:p>
             <a:fld id="{48A87A34-81AB-432B-8DAE-1953F412C126}" type="datetimeFigureOut">
               <a:rPr lang="en-US" dirty="0"/>
-              <a:t>4/30/2024</a:t>
+              <a:t>5/1/2024</a:t>
             </a:fld>
             <a:endParaRPr lang="en-US" dirty="0"/>
           </a:p>
@@ -1953,7 +1975,7 @@
           <a:p>
             <a:fld id="{48A87A34-81AB-432B-8DAE-1953F412C126}" type="datetimeFigureOut">
               <a:rPr lang="en-US" dirty="0"/>
-              <a:t>4/30/2024</a:t>
+              <a:t>5/1/2024</a:t>
             </a:fld>
             <a:endParaRPr lang="en-US" dirty="0"/>
           </a:p>
@@ -2074,7 +2096,7 @@
           <a:p>
             <a:fld id="{48A87A34-81AB-432B-8DAE-1953F412C126}" type="datetimeFigureOut">
               <a:rPr lang="en-US" dirty="0"/>
-              <a:t>4/30/2024</a:t>
+              <a:t>5/1/2024</a:t>
             </a:fld>
             <a:endParaRPr lang="en-US" dirty="0"/>
           </a:p>
@@ -2320,7 +2342,7 @@
           <a:p>
             <a:fld id="{48A87A34-81AB-432B-8DAE-1953F412C126}" type="datetimeFigureOut">
               <a:rPr lang="en-US" dirty="0"/>
-              <a:t>4/30/2024</a:t>
+              <a:t>5/1/2024</a:t>
             </a:fld>
             <a:endParaRPr lang="en-US" dirty="0"/>
           </a:p>
@@ -2761,7 +2783,7 @@
             <a:fld id="{48A87A34-81AB-432B-8DAE-1953F412C126}" type="datetimeFigureOut">
               <a:rPr lang="en-US" dirty="0"/>
               <a:pPr/>
-              <a:t>4/30/2024</a:t>
+              <a:t>5/1/2024</a:t>
             </a:fld>
             <a:endParaRPr lang="en-US" dirty="0"/>
           </a:p>
@@ -3083,7 +3105,7 @@
             <a:fld id="{48A87A34-81AB-432B-8DAE-1953F412C126}" type="datetimeFigureOut">
               <a:rPr lang="en-US" dirty="0"/>
               <a:pPr/>
-              <a:t>4/30/2024</a:t>
+              <a:t>5/1/2024</a:t>
             </a:fld>
             <a:endParaRPr lang="en-US" dirty="0"/>
           </a:p>
@@ -3587,7 +3609,10 @@
           <a:lstStyle/>
           <a:p>
             <a:r>
-              <a:rPr lang="ru-RU" cap="none" dirty="0"/>
+              <a:rPr lang="ru-RU" cap="none" dirty="0">
+                <a:latin typeface="Times New Roman" panose="02020603050405020304" pitchFamily="18" charset="0"/>
+                <a:cs typeface="Times New Roman" panose="02020603050405020304" pitchFamily="18" charset="0"/>
+              </a:rPr>
               <a:t>Для настроения</a:t>
             </a:r>
           </a:p>
@@ -3615,7 +3640,10 @@
           <a:lstStyle/>
           <a:p>
             <a:r>
-              <a:rPr lang="ru-RU" cap="none" dirty="0"/>
+              <a:rPr lang="ru-RU" cap="none" dirty="0">
+                <a:latin typeface="Times New Roman" panose="02020603050405020304" pitchFamily="18" charset="0"/>
+                <a:cs typeface="Times New Roman" panose="02020603050405020304" pitchFamily="18" charset="0"/>
+              </a:rPr>
               <a:t>Авторы проекта Глебова Надежда, Завьялова Арина</a:t>
             </a:r>
           </a:p>
@@ -3628,6 +3656,1035 @@
     <p:extLst>
       <p:ext uri="{BB962C8B-B14F-4D97-AF65-F5344CB8AC3E}">
         <p14:creationId xmlns:p14="http://schemas.microsoft.com/office/powerpoint/2010/main" val="4051886531"/>
+      </p:ext>
+    </p:extLst>
+  </p:cSld>
+  <p:clrMapOvr>
+    <a:masterClrMapping/>
+  </p:clrMapOvr>
+</p:sld>
+</file>
+
+<file path=ppt/slides/slide10.xml><?xml version="1.0" encoding="utf-8"?>
+<p:sld xmlns:a="http://schemas.openxmlformats.org/drawingml/2006/main" xmlns:r="http://schemas.openxmlformats.org/officeDocument/2006/relationships" xmlns:p="http://schemas.openxmlformats.org/presentationml/2006/main">
+  <p:cSld>
+    <p:spTree>
+      <p:nvGrpSpPr>
+        <p:cNvPr id="1" name=""/>
+        <p:cNvGrpSpPr/>
+        <p:nvPr/>
+      </p:nvGrpSpPr>
+      <p:grpSpPr>
+        <a:xfrm>
+          <a:off x="0" y="0"/>
+          <a:ext cx="0" cy="0"/>
+          <a:chOff x="0" y="0"/>
+          <a:chExt cx="0" cy="0"/>
+        </a:xfrm>
+      </p:grpSpPr>
+      <p:sp>
+        <p:nvSpPr>
+          <p:cNvPr id="2" name="Заголовок 1">
+            <a:extLst>
+              <a:ext uri="{FF2B5EF4-FFF2-40B4-BE49-F238E27FC236}">
+                <a16:creationId xmlns:a16="http://schemas.microsoft.com/office/drawing/2014/main" id="{5FB80FA6-A2E6-48D6-A18B-06B0EB7ED87A}"/>
+              </a:ext>
+            </a:extLst>
+          </p:cNvPr>
+          <p:cNvSpPr>
+            <a:spLocks noGrp="1"/>
+          </p:cNvSpPr>
+          <p:nvPr>
+            <p:ph type="title"/>
+          </p:nvPr>
+        </p:nvSpPr>
+        <p:spPr>
+          <a:xfrm>
+            <a:off x="1451579" y="804520"/>
+            <a:ext cx="9603275" cy="587136"/>
+          </a:xfrm>
+        </p:spPr>
+        <p:txBody>
+          <a:bodyPr/>
+          <a:lstStyle/>
+          <a:p>
+            <a:r>
+              <a:rPr lang="ru-RU" cap="none" dirty="0">
+                <a:latin typeface="Times New Roman" panose="02020603050405020304" pitchFamily="18" charset="0"/>
+                <a:cs typeface="Times New Roman" panose="02020603050405020304" pitchFamily="18" charset="0"/>
+              </a:rPr>
+              <a:t>Реализация. Подключение к базе данных</a:t>
+            </a:r>
+          </a:p>
+        </p:txBody>
+      </p:sp>
+      <p:pic>
+        <p:nvPicPr>
+          <p:cNvPr id="5" name="Объект 4">
+            <a:extLst>
+              <a:ext uri="{FF2B5EF4-FFF2-40B4-BE49-F238E27FC236}">
+                <a16:creationId xmlns:a16="http://schemas.microsoft.com/office/drawing/2014/main" id="{032EAC9C-EEDD-440D-9EDB-BD6CDBB54A4A}"/>
+              </a:ext>
+            </a:extLst>
+          </p:cNvPr>
+          <p:cNvPicPr>
+            <a:picLocks noGrp="1" noChangeAspect="1"/>
+          </p:cNvPicPr>
+          <p:nvPr>
+            <p:ph idx="1"/>
+          </p:nvPr>
+        </p:nvPicPr>
+        <p:blipFill>
+          <a:blip r:embed="rId2"/>
+          <a:stretch>
+            <a:fillRect/>
+          </a:stretch>
+        </p:blipFill>
+        <p:spPr>
+          <a:xfrm>
+            <a:off x="3916676" y="1438130"/>
+            <a:ext cx="4794187" cy="5187259"/>
+          </a:xfrm>
+        </p:spPr>
+      </p:pic>
+    </p:spTree>
+    <p:extLst>
+      <p:ext uri="{BB962C8B-B14F-4D97-AF65-F5344CB8AC3E}">
+        <p14:creationId xmlns:p14="http://schemas.microsoft.com/office/powerpoint/2010/main" val="2967514692"/>
+      </p:ext>
+    </p:extLst>
+  </p:cSld>
+  <p:clrMapOvr>
+    <a:masterClrMapping/>
+  </p:clrMapOvr>
+</p:sld>
+</file>
+
+<file path=ppt/slides/slide11.xml><?xml version="1.0" encoding="utf-8"?>
+<p:sld xmlns:a="http://schemas.openxmlformats.org/drawingml/2006/main" xmlns:r="http://schemas.openxmlformats.org/officeDocument/2006/relationships" xmlns:p="http://schemas.openxmlformats.org/presentationml/2006/main">
+  <p:cSld>
+    <p:spTree>
+      <p:nvGrpSpPr>
+        <p:cNvPr id="1" name=""/>
+        <p:cNvGrpSpPr/>
+        <p:nvPr/>
+      </p:nvGrpSpPr>
+      <p:grpSpPr>
+        <a:xfrm>
+          <a:off x="0" y="0"/>
+          <a:ext cx="0" cy="0"/>
+          <a:chOff x="0" y="0"/>
+          <a:chExt cx="0" cy="0"/>
+        </a:xfrm>
+      </p:grpSpPr>
+      <p:sp>
+        <p:nvSpPr>
+          <p:cNvPr id="2" name="Заголовок 1">
+            <a:extLst>
+              <a:ext uri="{FF2B5EF4-FFF2-40B4-BE49-F238E27FC236}">
+                <a16:creationId xmlns:a16="http://schemas.microsoft.com/office/drawing/2014/main" id="{FC750070-48AC-4F7C-8AC8-5CA23B30B53B}"/>
+              </a:ext>
+            </a:extLst>
+          </p:cNvPr>
+          <p:cNvSpPr>
+            <a:spLocks noGrp="1"/>
+          </p:cNvSpPr>
+          <p:nvPr>
+            <p:ph type="title"/>
+          </p:nvPr>
+        </p:nvSpPr>
+        <p:spPr/>
+        <p:txBody>
+          <a:bodyPr/>
+          <a:lstStyle/>
+          <a:p>
+            <a:r>
+              <a:rPr lang="ru-RU" cap="none" dirty="0">
+                <a:latin typeface="Times New Roman" panose="02020603050405020304" pitchFamily="18" charset="0"/>
+                <a:cs typeface="Times New Roman" panose="02020603050405020304" pitchFamily="18" charset="0"/>
+              </a:rPr>
+              <a:t>Реализация. Классы форм, файл </a:t>
+            </a:r>
+            <a:r>
+              <a:rPr lang="en-US" cap="none" dirty="0">
+                <a:latin typeface="Times New Roman" panose="02020603050405020304" pitchFamily="18" charset="0"/>
+                <a:cs typeface="Times New Roman" panose="02020603050405020304" pitchFamily="18" charset="0"/>
+              </a:rPr>
+              <a:t>user</a:t>
+            </a:r>
+            <a:endParaRPr lang="ru-RU" cap="none" dirty="0">
+              <a:latin typeface="Times New Roman" panose="02020603050405020304" pitchFamily="18" charset="0"/>
+              <a:cs typeface="Times New Roman" panose="02020603050405020304" pitchFamily="18" charset="0"/>
+            </a:endParaRPr>
+          </a:p>
+        </p:txBody>
+      </p:sp>
+      <p:pic>
+        <p:nvPicPr>
+          <p:cNvPr id="5" name="Объект 4">
+            <a:extLst>
+              <a:ext uri="{FF2B5EF4-FFF2-40B4-BE49-F238E27FC236}">
+                <a16:creationId xmlns:a16="http://schemas.microsoft.com/office/drawing/2014/main" id="{9F5D1D8C-3197-4864-B95E-8A69408DE0DA}"/>
+              </a:ext>
+            </a:extLst>
+          </p:cNvPr>
+          <p:cNvPicPr>
+            <a:picLocks noGrp="1" noChangeAspect="1"/>
+          </p:cNvPicPr>
+          <p:nvPr>
+            <p:ph idx="1"/>
+          </p:nvPr>
+        </p:nvPicPr>
+        <p:blipFill>
+          <a:blip r:embed="rId2"/>
+          <a:stretch>
+            <a:fillRect/>
+          </a:stretch>
+        </p:blipFill>
+        <p:spPr>
+          <a:xfrm>
+            <a:off x="3739680" y="1853754"/>
+            <a:ext cx="5017088" cy="4507245"/>
+          </a:xfrm>
+        </p:spPr>
+      </p:pic>
+    </p:spTree>
+    <p:extLst>
+      <p:ext uri="{BB962C8B-B14F-4D97-AF65-F5344CB8AC3E}">
+        <p14:creationId xmlns:p14="http://schemas.microsoft.com/office/powerpoint/2010/main" val="3664970616"/>
+      </p:ext>
+    </p:extLst>
+  </p:cSld>
+  <p:clrMapOvr>
+    <a:masterClrMapping/>
+  </p:clrMapOvr>
+</p:sld>
+</file>
+
+<file path=ppt/slides/slide12.xml><?xml version="1.0" encoding="utf-8"?>
+<p:sld xmlns:a="http://schemas.openxmlformats.org/drawingml/2006/main" xmlns:r="http://schemas.openxmlformats.org/officeDocument/2006/relationships" xmlns:p="http://schemas.openxmlformats.org/presentationml/2006/main">
+  <p:cSld>
+    <p:spTree>
+      <p:nvGrpSpPr>
+        <p:cNvPr id="1" name=""/>
+        <p:cNvGrpSpPr/>
+        <p:nvPr/>
+      </p:nvGrpSpPr>
+      <p:grpSpPr>
+        <a:xfrm>
+          <a:off x="0" y="0"/>
+          <a:ext cx="0" cy="0"/>
+          <a:chOff x="0" y="0"/>
+          <a:chExt cx="0" cy="0"/>
+        </a:xfrm>
+      </p:grpSpPr>
+      <p:sp>
+        <p:nvSpPr>
+          <p:cNvPr id="2" name="Заголовок 1">
+            <a:extLst>
+              <a:ext uri="{FF2B5EF4-FFF2-40B4-BE49-F238E27FC236}">
+                <a16:creationId xmlns:a16="http://schemas.microsoft.com/office/drawing/2014/main" id="{6D40389E-D89E-4528-8F1E-62496BFB3036}"/>
+              </a:ext>
+            </a:extLst>
+          </p:cNvPr>
+          <p:cNvSpPr>
+            <a:spLocks noGrp="1"/>
+          </p:cNvSpPr>
+          <p:nvPr>
+            <p:ph type="title"/>
+          </p:nvPr>
+        </p:nvSpPr>
+        <p:spPr/>
+        <p:txBody>
+          <a:bodyPr/>
+          <a:lstStyle/>
+          <a:p>
+            <a:r>
+              <a:rPr lang="ru-RU" cap="none" dirty="0">
+                <a:latin typeface="Times New Roman" panose="02020603050405020304" pitchFamily="18" charset="0"/>
+                <a:cs typeface="Times New Roman" panose="02020603050405020304" pitchFamily="18" charset="0"/>
+              </a:rPr>
+              <a:t>Реализация. Шаблон </a:t>
+            </a:r>
+            <a:r>
+              <a:rPr lang="en-US" cap="none" dirty="0">
+                <a:latin typeface="Times New Roman" panose="02020603050405020304" pitchFamily="18" charset="0"/>
+                <a:cs typeface="Times New Roman" panose="02020603050405020304" pitchFamily="18" charset="0"/>
+              </a:rPr>
+              <a:t>index2</a:t>
+            </a:r>
+            <a:endParaRPr lang="ru-RU" cap="none" dirty="0">
+              <a:latin typeface="Times New Roman" panose="02020603050405020304" pitchFamily="18" charset="0"/>
+              <a:cs typeface="Times New Roman" panose="02020603050405020304" pitchFamily="18" charset="0"/>
+            </a:endParaRPr>
+          </a:p>
+        </p:txBody>
+      </p:sp>
+      <p:pic>
+        <p:nvPicPr>
+          <p:cNvPr id="5" name="Объект 4">
+            <a:extLst>
+              <a:ext uri="{FF2B5EF4-FFF2-40B4-BE49-F238E27FC236}">
+                <a16:creationId xmlns:a16="http://schemas.microsoft.com/office/drawing/2014/main" id="{80CAD15A-A70D-4C06-B27E-68341533094B}"/>
+              </a:ext>
+            </a:extLst>
+          </p:cNvPr>
+          <p:cNvPicPr>
+            <a:picLocks noGrp="1" noChangeAspect="1"/>
+          </p:cNvPicPr>
+          <p:nvPr>
+            <p:ph idx="1"/>
+          </p:nvPr>
+        </p:nvPicPr>
+        <p:blipFill>
+          <a:blip r:embed="rId2"/>
+          <a:stretch>
+            <a:fillRect/>
+          </a:stretch>
+        </p:blipFill>
+        <p:spPr>
+          <a:xfrm>
+            <a:off x="3646113" y="1853754"/>
+            <a:ext cx="5214205" cy="4547273"/>
+          </a:xfrm>
+        </p:spPr>
+      </p:pic>
+    </p:spTree>
+    <p:extLst>
+      <p:ext uri="{BB962C8B-B14F-4D97-AF65-F5344CB8AC3E}">
+        <p14:creationId xmlns:p14="http://schemas.microsoft.com/office/powerpoint/2010/main" val="1634675302"/>
+      </p:ext>
+    </p:extLst>
+  </p:cSld>
+  <p:clrMapOvr>
+    <a:masterClrMapping/>
+  </p:clrMapOvr>
+</p:sld>
+</file>
+
+<file path=ppt/slides/slide13.xml><?xml version="1.0" encoding="utf-8"?>
+<p:sld xmlns:a="http://schemas.openxmlformats.org/drawingml/2006/main" xmlns:r="http://schemas.openxmlformats.org/officeDocument/2006/relationships" xmlns:p="http://schemas.openxmlformats.org/presentationml/2006/main">
+  <p:cSld>
+    <p:spTree>
+      <p:nvGrpSpPr>
+        <p:cNvPr id="1" name=""/>
+        <p:cNvGrpSpPr/>
+        <p:nvPr/>
+      </p:nvGrpSpPr>
+      <p:grpSpPr>
+        <a:xfrm>
+          <a:off x="0" y="0"/>
+          <a:ext cx="0" cy="0"/>
+          <a:chOff x="0" y="0"/>
+          <a:chExt cx="0" cy="0"/>
+        </a:xfrm>
+      </p:grpSpPr>
+      <p:sp>
+        <p:nvSpPr>
+          <p:cNvPr id="2" name="Заголовок 1">
+            <a:extLst>
+              <a:ext uri="{FF2B5EF4-FFF2-40B4-BE49-F238E27FC236}">
+                <a16:creationId xmlns:a16="http://schemas.microsoft.com/office/drawing/2014/main" id="{76EDED95-278F-4C55-A39F-62E320348053}"/>
+              </a:ext>
+            </a:extLst>
+          </p:cNvPr>
+          <p:cNvSpPr>
+            <a:spLocks noGrp="1"/>
+          </p:cNvSpPr>
+          <p:nvPr>
+            <p:ph type="title"/>
+          </p:nvPr>
+        </p:nvSpPr>
+        <p:spPr/>
+        <p:txBody>
+          <a:bodyPr/>
+          <a:lstStyle/>
+          <a:p>
+            <a:r>
+              <a:rPr lang="ru-RU" cap="none" dirty="0">
+                <a:latin typeface="Times New Roman" panose="02020603050405020304" pitchFamily="18" charset="0"/>
+                <a:cs typeface="Times New Roman" panose="02020603050405020304" pitchFamily="18" charset="0"/>
+              </a:rPr>
+              <a:t>Реализация. Шаблон </a:t>
+            </a:r>
+            <a:r>
+              <a:rPr lang="en-US" cap="none" dirty="0">
+                <a:latin typeface="Times New Roman" panose="02020603050405020304" pitchFamily="18" charset="0"/>
+                <a:cs typeface="Times New Roman" panose="02020603050405020304" pitchFamily="18" charset="0"/>
+              </a:rPr>
+              <a:t>films2</a:t>
+            </a:r>
+            <a:endParaRPr lang="ru-RU" cap="none" dirty="0">
+              <a:latin typeface="Times New Roman" panose="02020603050405020304" pitchFamily="18" charset="0"/>
+              <a:cs typeface="Times New Roman" panose="02020603050405020304" pitchFamily="18" charset="0"/>
+            </a:endParaRPr>
+          </a:p>
+        </p:txBody>
+      </p:sp>
+      <p:pic>
+        <p:nvPicPr>
+          <p:cNvPr id="5" name="Объект 4">
+            <a:extLst>
+              <a:ext uri="{FF2B5EF4-FFF2-40B4-BE49-F238E27FC236}">
+                <a16:creationId xmlns:a16="http://schemas.microsoft.com/office/drawing/2014/main" id="{14488642-CE53-4D71-85D2-5EA36F748B5E}"/>
+              </a:ext>
+            </a:extLst>
+          </p:cNvPr>
+          <p:cNvPicPr>
+            <a:picLocks noGrp="1" noChangeAspect="1"/>
+          </p:cNvPicPr>
+          <p:nvPr>
+            <p:ph idx="1"/>
+          </p:nvPr>
+        </p:nvPicPr>
+        <p:blipFill>
+          <a:blip r:embed="rId2"/>
+          <a:stretch>
+            <a:fillRect/>
+          </a:stretch>
+        </p:blipFill>
+        <p:spPr>
+          <a:xfrm>
+            <a:off x="3710463" y="1613123"/>
+            <a:ext cx="4771073" cy="5004246"/>
+          </a:xfrm>
+        </p:spPr>
+      </p:pic>
+    </p:spTree>
+    <p:extLst>
+      <p:ext uri="{BB962C8B-B14F-4D97-AF65-F5344CB8AC3E}">
+        <p14:creationId xmlns:p14="http://schemas.microsoft.com/office/powerpoint/2010/main" val="4208028524"/>
+      </p:ext>
+    </p:extLst>
+  </p:cSld>
+  <p:clrMapOvr>
+    <a:masterClrMapping/>
+  </p:clrMapOvr>
+</p:sld>
+</file>
+
+<file path=ppt/slides/slide14.xml><?xml version="1.0" encoding="utf-8"?>
+<p:sld xmlns:a="http://schemas.openxmlformats.org/drawingml/2006/main" xmlns:r="http://schemas.openxmlformats.org/officeDocument/2006/relationships" xmlns:p="http://schemas.openxmlformats.org/presentationml/2006/main">
+  <p:cSld>
+    <p:spTree>
+      <p:nvGrpSpPr>
+        <p:cNvPr id="1" name=""/>
+        <p:cNvGrpSpPr/>
+        <p:nvPr/>
+      </p:nvGrpSpPr>
+      <p:grpSpPr>
+        <a:xfrm>
+          <a:off x="0" y="0"/>
+          <a:ext cx="0" cy="0"/>
+          <a:chOff x="0" y="0"/>
+          <a:chExt cx="0" cy="0"/>
+        </a:xfrm>
+      </p:grpSpPr>
+      <p:sp>
+        <p:nvSpPr>
+          <p:cNvPr id="2" name="Заголовок 1">
+            <a:extLst>
+              <a:ext uri="{FF2B5EF4-FFF2-40B4-BE49-F238E27FC236}">
+                <a16:creationId xmlns:a16="http://schemas.microsoft.com/office/drawing/2014/main" id="{ECD6D8B2-E217-4BDC-89DA-BBDB356AE176}"/>
+              </a:ext>
+            </a:extLst>
+          </p:cNvPr>
+          <p:cNvSpPr>
+            <a:spLocks noGrp="1"/>
+          </p:cNvSpPr>
+          <p:nvPr>
+            <p:ph type="title"/>
+          </p:nvPr>
+        </p:nvSpPr>
+        <p:spPr/>
+        <p:txBody>
+          <a:bodyPr/>
+          <a:lstStyle/>
+          <a:p>
+            <a:r>
+              <a:rPr lang="ru-RU" cap="none" dirty="0">
+                <a:latin typeface="Times New Roman" panose="02020603050405020304" pitchFamily="18" charset="0"/>
+                <a:cs typeface="Times New Roman" panose="02020603050405020304" pitchFamily="18" charset="0"/>
+              </a:rPr>
+              <a:t>Реализация. Шаблон </a:t>
+            </a:r>
+            <a:r>
+              <a:rPr lang="en-US" cap="none" dirty="0">
+                <a:latin typeface="Times New Roman" panose="02020603050405020304" pitchFamily="18" charset="0"/>
+                <a:cs typeface="Times New Roman" panose="02020603050405020304" pitchFamily="18" charset="0"/>
+              </a:rPr>
+              <a:t>login</a:t>
+            </a:r>
+            <a:endParaRPr lang="ru-RU" cap="none" dirty="0">
+              <a:latin typeface="Times New Roman" panose="02020603050405020304" pitchFamily="18" charset="0"/>
+              <a:cs typeface="Times New Roman" panose="02020603050405020304" pitchFamily="18" charset="0"/>
+            </a:endParaRPr>
+          </a:p>
+        </p:txBody>
+      </p:sp>
+      <p:pic>
+        <p:nvPicPr>
+          <p:cNvPr id="5" name="Объект 4">
+            <a:extLst>
+              <a:ext uri="{FF2B5EF4-FFF2-40B4-BE49-F238E27FC236}">
+                <a16:creationId xmlns:a16="http://schemas.microsoft.com/office/drawing/2014/main" id="{33B4F8F1-09AA-4ADC-A20B-D6E864BE2B23}"/>
+              </a:ext>
+            </a:extLst>
+          </p:cNvPr>
+          <p:cNvPicPr>
+            <a:picLocks noGrp="1" noChangeAspect="1"/>
+          </p:cNvPicPr>
+          <p:nvPr>
+            <p:ph idx="1"/>
+          </p:nvPr>
+        </p:nvPicPr>
+        <p:blipFill>
+          <a:blip r:embed="rId2"/>
+          <a:stretch>
+            <a:fillRect/>
+          </a:stretch>
+        </p:blipFill>
+        <p:spPr>
+          <a:xfrm>
+            <a:off x="4043861" y="1853754"/>
+            <a:ext cx="4585507" cy="4619856"/>
+          </a:xfrm>
+        </p:spPr>
+      </p:pic>
+    </p:spTree>
+    <p:extLst>
+      <p:ext uri="{BB962C8B-B14F-4D97-AF65-F5344CB8AC3E}">
+        <p14:creationId xmlns:p14="http://schemas.microsoft.com/office/powerpoint/2010/main" val="4052601527"/>
+      </p:ext>
+    </p:extLst>
+  </p:cSld>
+  <p:clrMapOvr>
+    <a:masterClrMapping/>
+  </p:clrMapOvr>
+</p:sld>
+</file>
+
+<file path=ppt/slides/slide15.xml><?xml version="1.0" encoding="utf-8"?>
+<p:sld xmlns:a="http://schemas.openxmlformats.org/drawingml/2006/main" xmlns:r="http://schemas.openxmlformats.org/officeDocument/2006/relationships" xmlns:p="http://schemas.openxmlformats.org/presentationml/2006/main">
+  <p:cSld>
+    <p:spTree>
+      <p:nvGrpSpPr>
+        <p:cNvPr id="1" name=""/>
+        <p:cNvGrpSpPr/>
+        <p:nvPr/>
+      </p:nvGrpSpPr>
+      <p:grpSpPr>
+        <a:xfrm>
+          <a:off x="0" y="0"/>
+          <a:ext cx="0" cy="0"/>
+          <a:chOff x="0" y="0"/>
+          <a:chExt cx="0" cy="0"/>
+        </a:xfrm>
+      </p:grpSpPr>
+      <p:sp>
+        <p:nvSpPr>
+          <p:cNvPr id="2" name="Заголовок 1">
+            <a:extLst>
+              <a:ext uri="{FF2B5EF4-FFF2-40B4-BE49-F238E27FC236}">
+                <a16:creationId xmlns:a16="http://schemas.microsoft.com/office/drawing/2014/main" id="{65FFC569-3D54-4AD2-90E9-7EEF00C746FD}"/>
+              </a:ext>
+            </a:extLst>
+          </p:cNvPr>
+          <p:cNvSpPr>
+            <a:spLocks noGrp="1"/>
+          </p:cNvSpPr>
+          <p:nvPr>
+            <p:ph type="title"/>
+          </p:nvPr>
+        </p:nvSpPr>
+        <p:spPr/>
+        <p:txBody>
+          <a:bodyPr/>
+          <a:lstStyle/>
+          <a:p>
+            <a:r>
+              <a:rPr lang="ru-RU" cap="none" dirty="0">
+                <a:latin typeface="Times New Roman" panose="02020603050405020304" pitchFamily="18" charset="0"/>
+                <a:cs typeface="Times New Roman" panose="02020603050405020304" pitchFamily="18" charset="0"/>
+              </a:rPr>
+              <a:t>Реализация. Шаблон </a:t>
+            </a:r>
+            <a:r>
+              <a:rPr lang="en-US" cap="none" dirty="0">
+                <a:latin typeface="Times New Roman" panose="02020603050405020304" pitchFamily="18" charset="0"/>
+                <a:cs typeface="Times New Roman" panose="02020603050405020304" pitchFamily="18" charset="0"/>
+              </a:rPr>
+              <a:t>page</a:t>
+            </a:r>
+            <a:endParaRPr lang="ru-RU" cap="none" dirty="0">
+              <a:latin typeface="Times New Roman" panose="02020603050405020304" pitchFamily="18" charset="0"/>
+              <a:cs typeface="Times New Roman" panose="02020603050405020304" pitchFamily="18" charset="0"/>
+            </a:endParaRPr>
+          </a:p>
+        </p:txBody>
+      </p:sp>
+      <p:pic>
+        <p:nvPicPr>
+          <p:cNvPr id="5" name="Объект 4">
+            <a:extLst>
+              <a:ext uri="{FF2B5EF4-FFF2-40B4-BE49-F238E27FC236}">
+                <a16:creationId xmlns:a16="http://schemas.microsoft.com/office/drawing/2014/main" id="{F154BBC5-2959-446E-A9D4-92EDBB1EE6B5}"/>
+              </a:ext>
+            </a:extLst>
+          </p:cNvPr>
+          <p:cNvPicPr>
+            <a:picLocks noGrp="1" noChangeAspect="1"/>
+          </p:cNvPicPr>
+          <p:nvPr>
+            <p:ph idx="1"/>
+          </p:nvPr>
+        </p:nvPicPr>
+        <p:blipFill>
+          <a:blip r:embed="rId2"/>
+          <a:stretch>
+            <a:fillRect/>
+          </a:stretch>
+        </p:blipFill>
+        <p:spPr>
+          <a:xfrm>
+            <a:off x="3144428" y="2112378"/>
+            <a:ext cx="5375375" cy="4256338"/>
+          </a:xfrm>
+        </p:spPr>
+      </p:pic>
+    </p:spTree>
+    <p:extLst>
+      <p:ext uri="{BB962C8B-B14F-4D97-AF65-F5344CB8AC3E}">
+        <p14:creationId xmlns:p14="http://schemas.microsoft.com/office/powerpoint/2010/main" val="797607823"/>
+      </p:ext>
+    </p:extLst>
+  </p:cSld>
+  <p:clrMapOvr>
+    <a:masterClrMapping/>
+  </p:clrMapOvr>
+</p:sld>
+</file>
+
+<file path=ppt/slides/slide16.xml><?xml version="1.0" encoding="utf-8"?>
+<p:sld xmlns:a="http://schemas.openxmlformats.org/drawingml/2006/main" xmlns:r="http://schemas.openxmlformats.org/officeDocument/2006/relationships" xmlns:p="http://schemas.openxmlformats.org/presentationml/2006/main">
+  <p:cSld>
+    <p:spTree>
+      <p:nvGrpSpPr>
+        <p:cNvPr id="1" name=""/>
+        <p:cNvGrpSpPr/>
+        <p:nvPr/>
+      </p:nvGrpSpPr>
+      <p:grpSpPr>
+        <a:xfrm>
+          <a:off x="0" y="0"/>
+          <a:ext cx="0" cy="0"/>
+          <a:chOff x="0" y="0"/>
+          <a:chExt cx="0" cy="0"/>
+        </a:xfrm>
+      </p:grpSpPr>
+      <p:sp>
+        <p:nvSpPr>
+          <p:cNvPr id="2" name="Заголовок 1">
+            <a:extLst>
+              <a:ext uri="{FF2B5EF4-FFF2-40B4-BE49-F238E27FC236}">
+                <a16:creationId xmlns:a16="http://schemas.microsoft.com/office/drawing/2014/main" id="{8DAA468D-38E6-4554-9396-B87FA5003F33}"/>
+              </a:ext>
+            </a:extLst>
+          </p:cNvPr>
+          <p:cNvSpPr>
+            <a:spLocks noGrp="1"/>
+          </p:cNvSpPr>
+          <p:nvPr>
+            <p:ph type="title"/>
+          </p:nvPr>
+        </p:nvSpPr>
+        <p:spPr/>
+        <p:txBody>
+          <a:bodyPr/>
+          <a:lstStyle/>
+          <a:p>
+            <a:pPr algn="ctr"/>
+            <a:r>
+              <a:rPr lang="ru-RU" cap="none" dirty="0">
+                <a:latin typeface="Times New Roman" panose="02020603050405020304" pitchFamily="18" charset="0"/>
+                <a:cs typeface="Times New Roman" panose="02020603050405020304" pitchFamily="18" charset="0"/>
+              </a:rPr>
+              <a:t>Главное меню</a:t>
+            </a:r>
+          </a:p>
+        </p:txBody>
+      </p:sp>
+      <p:pic>
+        <p:nvPicPr>
+          <p:cNvPr id="5" name="Объект 4">
+            <a:extLst>
+              <a:ext uri="{FF2B5EF4-FFF2-40B4-BE49-F238E27FC236}">
+                <a16:creationId xmlns:a16="http://schemas.microsoft.com/office/drawing/2014/main" id="{DF52AB4A-5365-4B36-894C-DEFBF07F382F}"/>
+              </a:ext>
+            </a:extLst>
+          </p:cNvPr>
+          <p:cNvPicPr>
+            <a:picLocks noGrp="1" noChangeAspect="1"/>
+          </p:cNvPicPr>
+          <p:nvPr>
+            <p:ph idx="1"/>
+          </p:nvPr>
+        </p:nvPicPr>
+        <p:blipFill>
+          <a:blip r:embed="rId2"/>
+          <a:stretch>
+            <a:fillRect/>
+          </a:stretch>
+        </p:blipFill>
+        <p:spPr>
+          <a:xfrm>
+            <a:off x="1691810" y="2016125"/>
+            <a:ext cx="9122705" cy="3449638"/>
+          </a:xfrm>
+        </p:spPr>
+      </p:pic>
+    </p:spTree>
+    <p:extLst>
+      <p:ext uri="{BB962C8B-B14F-4D97-AF65-F5344CB8AC3E}">
+        <p14:creationId xmlns:p14="http://schemas.microsoft.com/office/powerpoint/2010/main" val="1980220436"/>
+      </p:ext>
+    </p:extLst>
+  </p:cSld>
+  <p:clrMapOvr>
+    <a:masterClrMapping/>
+  </p:clrMapOvr>
+</p:sld>
+</file>
+
+<file path=ppt/slides/slide17.xml><?xml version="1.0" encoding="utf-8"?>
+<p:sld xmlns:a="http://schemas.openxmlformats.org/drawingml/2006/main" xmlns:r="http://schemas.openxmlformats.org/officeDocument/2006/relationships" xmlns:p="http://schemas.openxmlformats.org/presentationml/2006/main">
+  <p:cSld>
+    <p:spTree>
+      <p:nvGrpSpPr>
+        <p:cNvPr id="1" name=""/>
+        <p:cNvGrpSpPr/>
+        <p:nvPr/>
+      </p:nvGrpSpPr>
+      <p:grpSpPr>
+        <a:xfrm>
+          <a:off x="0" y="0"/>
+          <a:ext cx="0" cy="0"/>
+          <a:chOff x="0" y="0"/>
+          <a:chExt cx="0" cy="0"/>
+        </a:xfrm>
+      </p:grpSpPr>
+      <p:sp>
+        <p:nvSpPr>
+          <p:cNvPr id="2" name="Заголовок 1">
+            <a:extLst>
+              <a:ext uri="{FF2B5EF4-FFF2-40B4-BE49-F238E27FC236}">
+                <a16:creationId xmlns:a16="http://schemas.microsoft.com/office/drawing/2014/main" id="{ACEF32A0-62E2-45B8-8F9A-946A0F24D10F}"/>
+              </a:ext>
+            </a:extLst>
+          </p:cNvPr>
+          <p:cNvSpPr>
+            <a:spLocks noGrp="1"/>
+          </p:cNvSpPr>
+          <p:nvPr>
+            <p:ph type="title"/>
+          </p:nvPr>
+        </p:nvSpPr>
+        <p:spPr>
+          <a:xfrm>
+            <a:off x="1451579" y="1"/>
+            <a:ext cx="9603275" cy="696685"/>
+          </a:xfrm>
+        </p:spPr>
+        <p:txBody>
+          <a:bodyPr/>
+          <a:lstStyle/>
+          <a:p>
+            <a:pPr algn="ctr"/>
+            <a:r>
+              <a:rPr lang="ru-RU" cap="none" dirty="0">
+                <a:latin typeface="Times New Roman" panose="02020603050405020304" pitchFamily="18" charset="0"/>
+                <a:cs typeface="Times New Roman" panose="02020603050405020304" pitchFamily="18" charset="0"/>
+              </a:rPr>
+              <a:t>Регистрация/Авторизация</a:t>
+            </a:r>
+          </a:p>
+        </p:txBody>
+      </p:sp>
+      <p:pic>
+        <p:nvPicPr>
+          <p:cNvPr id="5" name="Объект 4">
+            <a:extLst>
+              <a:ext uri="{FF2B5EF4-FFF2-40B4-BE49-F238E27FC236}">
+                <a16:creationId xmlns:a16="http://schemas.microsoft.com/office/drawing/2014/main" id="{D4A8510B-0D3A-4937-B3CE-14B69B4829E8}"/>
+              </a:ext>
+            </a:extLst>
+          </p:cNvPr>
+          <p:cNvPicPr>
+            <a:picLocks noGrp="1" noChangeAspect="1"/>
+          </p:cNvPicPr>
+          <p:nvPr>
+            <p:ph idx="1"/>
+          </p:nvPr>
+        </p:nvPicPr>
+        <p:blipFill>
+          <a:blip r:embed="rId2"/>
+          <a:stretch>
+            <a:fillRect/>
+          </a:stretch>
+        </p:blipFill>
+        <p:spPr>
+          <a:xfrm>
+            <a:off x="179283" y="534715"/>
+            <a:ext cx="6061828" cy="2765565"/>
+          </a:xfrm>
+        </p:spPr>
+      </p:pic>
+      <p:pic>
+        <p:nvPicPr>
+          <p:cNvPr id="7" name="Рисунок 6">
+            <a:extLst>
+              <a:ext uri="{FF2B5EF4-FFF2-40B4-BE49-F238E27FC236}">
+                <a16:creationId xmlns:a16="http://schemas.microsoft.com/office/drawing/2014/main" id="{75417A37-5D35-45FF-93BD-6D2109EE1596}"/>
+              </a:ext>
+            </a:extLst>
+          </p:cNvPr>
+          <p:cNvPicPr>
+            <a:picLocks noChangeAspect="1"/>
+          </p:cNvPicPr>
+          <p:nvPr/>
+        </p:nvPicPr>
+        <p:blipFill>
+          <a:blip r:embed="rId3"/>
+          <a:stretch>
+            <a:fillRect/>
+          </a:stretch>
+        </p:blipFill>
+        <p:spPr>
+          <a:xfrm>
+            <a:off x="1600763" y="3184167"/>
+            <a:ext cx="9280695" cy="2473180"/>
+          </a:xfrm>
+          <a:prstGeom prst="rect">
+            <a:avLst/>
+          </a:prstGeom>
+        </p:spPr>
+      </p:pic>
+    </p:spTree>
+    <p:extLst>
+      <p:ext uri="{BB962C8B-B14F-4D97-AF65-F5344CB8AC3E}">
+        <p14:creationId xmlns:p14="http://schemas.microsoft.com/office/powerpoint/2010/main" val="143525621"/>
+      </p:ext>
+    </p:extLst>
+  </p:cSld>
+  <p:clrMapOvr>
+    <a:masterClrMapping/>
+  </p:clrMapOvr>
+</p:sld>
+</file>
+
+<file path=ppt/slides/slide18.xml><?xml version="1.0" encoding="utf-8"?>
+<p:sld xmlns:a="http://schemas.openxmlformats.org/drawingml/2006/main" xmlns:r="http://schemas.openxmlformats.org/officeDocument/2006/relationships" xmlns:p="http://schemas.openxmlformats.org/presentationml/2006/main">
+  <p:cSld>
+    <p:spTree>
+      <p:nvGrpSpPr>
+        <p:cNvPr id="1" name=""/>
+        <p:cNvGrpSpPr/>
+        <p:nvPr/>
+      </p:nvGrpSpPr>
+      <p:grpSpPr>
+        <a:xfrm>
+          <a:off x="0" y="0"/>
+          <a:ext cx="0" cy="0"/>
+          <a:chOff x="0" y="0"/>
+          <a:chExt cx="0" cy="0"/>
+        </a:xfrm>
+      </p:grpSpPr>
+      <p:sp>
+        <p:nvSpPr>
+          <p:cNvPr id="2" name="Заголовок 1">
+            <a:extLst>
+              <a:ext uri="{FF2B5EF4-FFF2-40B4-BE49-F238E27FC236}">
+                <a16:creationId xmlns:a16="http://schemas.microsoft.com/office/drawing/2014/main" id="{4DF61E03-F5D8-40C4-9577-DF3E8311A270}"/>
+              </a:ext>
+            </a:extLst>
+          </p:cNvPr>
+          <p:cNvSpPr>
+            <a:spLocks noGrp="1"/>
+          </p:cNvSpPr>
+          <p:nvPr>
+            <p:ph type="title"/>
+          </p:nvPr>
+        </p:nvSpPr>
+        <p:spPr/>
+        <p:txBody>
+          <a:bodyPr/>
+          <a:lstStyle/>
+          <a:p>
+            <a:pPr algn="ctr"/>
+            <a:r>
+              <a:rPr lang="ru-RU" cap="none" dirty="0">
+                <a:latin typeface="Times New Roman" panose="02020603050405020304" pitchFamily="18" charset="0"/>
+                <a:cs typeface="Times New Roman" panose="02020603050405020304" pitchFamily="18" charset="0"/>
+              </a:rPr>
+              <a:t>Рекомендации</a:t>
+            </a:r>
+          </a:p>
+        </p:txBody>
+      </p:sp>
+      <p:pic>
+        <p:nvPicPr>
+          <p:cNvPr id="5" name="Объект 4">
+            <a:extLst>
+              <a:ext uri="{FF2B5EF4-FFF2-40B4-BE49-F238E27FC236}">
+                <a16:creationId xmlns:a16="http://schemas.microsoft.com/office/drawing/2014/main" id="{BA165062-6F0B-4B24-AC6D-FF898F84C3F9}"/>
+              </a:ext>
+            </a:extLst>
+          </p:cNvPr>
+          <p:cNvPicPr>
+            <a:picLocks noGrp="1" noChangeAspect="1"/>
+          </p:cNvPicPr>
+          <p:nvPr>
+            <p:ph idx="1"/>
+          </p:nvPr>
+        </p:nvPicPr>
+        <p:blipFill>
+          <a:blip r:embed="rId2"/>
+          <a:stretch>
+            <a:fillRect/>
+          </a:stretch>
+        </p:blipFill>
+        <p:spPr>
+          <a:xfrm>
+            <a:off x="550625" y="2271866"/>
+            <a:ext cx="11090750" cy="2732381"/>
+          </a:xfrm>
+        </p:spPr>
+      </p:pic>
+    </p:spTree>
+    <p:extLst>
+      <p:ext uri="{BB962C8B-B14F-4D97-AF65-F5344CB8AC3E}">
+        <p14:creationId xmlns:p14="http://schemas.microsoft.com/office/powerpoint/2010/main" val="2842053012"/>
+      </p:ext>
+    </p:extLst>
+  </p:cSld>
+  <p:clrMapOvr>
+    <a:masterClrMapping/>
+  </p:clrMapOvr>
+</p:sld>
+</file>
+
+<file path=ppt/slides/slide19.xml><?xml version="1.0" encoding="utf-8"?>
+<p:sld xmlns:a="http://schemas.openxmlformats.org/drawingml/2006/main" xmlns:r="http://schemas.openxmlformats.org/officeDocument/2006/relationships" xmlns:p="http://schemas.openxmlformats.org/presentationml/2006/main">
+  <p:cSld>
+    <p:spTree>
+      <p:nvGrpSpPr>
+        <p:cNvPr id="1" name=""/>
+        <p:cNvGrpSpPr/>
+        <p:nvPr/>
+      </p:nvGrpSpPr>
+      <p:grpSpPr>
+        <a:xfrm>
+          <a:off x="0" y="0"/>
+          <a:ext cx="0" cy="0"/>
+          <a:chOff x="0" y="0"/>
+          <a:chExt cx="0" cy="0"/>
+        </a:xfrm>
+      </p:grpSpPr>
+      <p:sp>
+        <p:nvSpPr>
+          <p:cNvPr id="2" name="Заголовок 1">
+            <a:extLst>
+              <a:ext uri="{FF2B5EF4-FFF2-40B4-BE49-F238E27FC236}">
+                <a16:creationId xmlns:a16="http://schemas.microsoft.com/office/drawing/2014/main" id="{6AA7565B-0541-4C0F-A793-9C37C0B97109}"/>
+              </a:ext>
+            </a:extLst>
+          </p:cNvPr>
+          <p:cNvSpPr>
+            <a:spLocks noGrp="1"/>
+          </p:cNvSpPr>
+          <p:nvPr>
+            <p:ph type="title"/>
+          </p:nvPr>
+        </p:nvSpPr>
+        <p:spPr/>
+        <p:txBody>
+          <a:bodyPr/>
+          <a:lstStyle/>
+          <a:p>
+            <a:pPr algn="ctr"/>
+            <a:r>
+              <a:rPr lang="ru-RU" cap="none" dirty="0">
+                <a:latin typeface="Times New Roman" panose="02020603050405020304" pitchFamily="18" charset="0"/>
+                <a:cs typeface="Times New Roman" panose="02020603050405020304" pitchFamily="18" charset="0"/>
+              </a:rPr>
+              <a:t>Выбор фильма</a:t>
+            </a:r>
+          </a:p>
+        </p:txBody>
+      </p:sp>
+      <p:pic>
+        <p:nvPicPr>
+          <p:cNvPr id="5" name="Объект 4">
+            <a:extLst>
+              <a:ext uri="{FF2B5EF4-FFF2-40B4-BE49-F238E27FC236}">
+                <a16:creationId xmlns:a16="http://schemas.microsoft.com/office/drawing/2014/main" id="{5E00F988-F4BC-401C-A576-AB6B98D58B2E}"/>
+              </a:ext>
+            </a:extLst>
+          </p:cNvPr>
+          <p:cNvPicPr>
+            <a:picLocks noGrp="1" noChangeAspect="1"/>
+          </p:cNvPicPr>
+          <p:nvPr>
+            <p:ph idx="1"/>
+          </p:nvPr>
+        </p:nvPicPr>
+        <p:blipFill>
+          <a:blip r:embed="rId2"/>
+          <a:stretch>
+            <a:fillRect/>
+          </a:stretch>
+        </p:blipFill>
+        <p:spPr>
+          <a:xfrm>
+            <a:off x="275208" y="2358945"/>
+            <a:ext cx="5576224" cy="2829200"/>
+          </a:xfrm>
+        </p:spPr>
+      </p:pic>
+      <p:pic>
+        <p:nvPicPr>
+          <p:cNvPr id="7" name="Рисунок 6">
+            <a:extLst>
+              <a:ext uri="{FF2B5EF4-FFF2-40B4-BE49-F238E27FC236}">
+                <a16:creationId xmlns:a16="http://schemas.microsoft.com/office/drawing/2014/main" id="{FA534784-D2B2-4E3D-A226-FBB623900532}"/>
+              </a:ext>
+            </a:extLst>
+          </p:cNvPr>
+          <p:cNvPicPr>
+            <a:picLocks noChangeAspect="1"/>
+          </p:cNvPicPr>
+          <p:nvPr/>
+        </p:nvPicPr>
+        <p:blipFill>
+          <a:blip r:embed="rId3"/>
+          <a:stretch>
+            <a:fillRect/>
+          </a:stretch>
+        </p:blipFill>
+        <p:spPr>
+          <a:xfrm>
+            <a:off x="6011230" y="2136040"/>
+            <a:ext cx="6051669" cy="3747398"/>
+          </a:xfrm>
+          <a:prstGeom prst="rect">
+            <a:avLst/>
+          </a:prstGeom>
+        </p:spPr>
+      </p:pic>
+    </p:spTree>
+    <p:extLst>
+      <p:ext uri="{BB962C8B-B14F-4D97-AF65-F5344CB8AC3E}">
+        <p14:creationId xmlns:p14="http://schemas.microsoft.com/office/powerpoint/2010/main" val="4055663784"/>
       </p:ext>
     </p:extLst>
   </p:cSld>
@@ -3670,13 +4727,21 @@
             <p:ph type="title"/>
           </p:nvPr>
         </p:nvSpPr>
-        <p:spPr/>
-        <p:txBody>
-          <a:bodyPr/>
-          <a:lstStyle/>
-          <a:p>
-            <a:r>
-              <a:rPr lang="ru-RU" cap="none" dirty="0"/>
+        <p:spPr>
+          <a:xfrm>
+            <a:off x="1451579" y="740351"/>
+            <a:ext cx="9603275" cy="1049235"/>
+          </a:xfrm>
+        </p:spPr>
+        <p:txBody>
+          <a:bodyPr/>
+          <a:lstStyle/>
+          <a:p>
+            <a:r>
+              <a:rPr lang="ru-RU" cap="none" dirty="0">
+                <a:latin typeface="Times New Roman" panose="02020603050405020304" pitchFamily="18" charset="0"/>
+                <a:cs typeface="Times New Roman" panose="02020603050405020304" pitchFamily="18" charset="0"/>
+              </a:rPr>
               <a:t>Идея</a:t>
             </a:r>
           </a:p>
@@ -3709,8 +4774,11 @@
               <a:buNone/>
             </a:pPr>
             <a:r>
-              <a:rPr lang="ru-RU" sz="2800" dirty="0"/>
-              <a:t>Сайт "Для Настроения" поможет пользователям найти идеальный фильм, соответствующий их текущему эмоциональному состоянию. Вместо стандартного поиска по жанрам или актерам, сайт будет фокусироваться на эмоциях и ощущениях, которые пользователь хочет испытать.</a:t>
+              <a:rPr lang="ru-RU" sz="2800" dirty="0">
+                <a:latin typeface="Times New Roman" panose="02020603050405020304" pitchFamily="18" charset="0"/>
+                <a:cs typeface="Times New Roman" panose="02020603050405020304" pitchFamily="18" charset="0"/>
+              </a:rPr>
+              <a:t>Сайт "Для Настроения" поможет пользователям найти идеальные фильм, книгу или сериал соответствующие их текущему эмоциональному состоянию. Вместо стандартного поиска по жанрам или актерам, сайт будет фокусироваться на эмоциях и ощущениях, которые пользователь хочет испытать.</a:t>
             </a:r>
           </a:p>
         </p:txBody>
@@ -3719,6 +4787,187 @@
     <p:extLst>
       <p:ext uri="{BB962C8B-B14F-4D97-AF65-F5344CB8AC3E}">
         <p14:creationId xmlns:p14="http://schemas.microsoft.com/office/powerpoint/2010/main" val="3634061106"/>
+      </p:ext>
+    </p:extLst>
+  </p:cSld>
+  <p:clrMapOvr>
+    <a:masterClrMapping/>
+  </p:clrMapOvr>
+</p:sld>
+</file>
+
+<file path=ppt/slides/slide20.xml><?xml version="1.0" encoding="utf-8"?>
+<p:sld xmlns:a="http://schemas.openxmlformats.org/drawingml/2006/main" xmlns:r="http://schemas.openxmlformats.org/officeDocument/2006/relationships" xmlns:p="http://schemas.openxmlformats.org/presentationml/2006/main">
+  <p:cSld>
+    <p:spTree>
+      <p:nvGrpSpPr>
+        <p:cNvPr id="1" name=""/>
+        <p:cNvGrpSpPr/>
+        <p:nvPr/>
+      </p:nvGrpSpPr>
+      <p:grpSpPr>
+        <a:xfrm>
+          <a:off x="0" y="0"/>
+          <a:ext cx="0" cy="0"/>
+          <a:chOff x="0" y="0"/>
+          <a:chExt cx="0" cy="0"/>
+        </a:xfrm>
+      </p:grpSpPr>
+      <p:sp>
+        <p:nvSpPr>
+          <p:cNvPr id="2" name="Заголовок 1">
+            <a:extLst>
+              <a:ext uri="{FF2B5EF4-FFF2-40B4-BE49-F238E27FC236}">
+                <a16:creationId xmlns:a16="http://schemas.microsoft.com/office/drawing/2014/main" id="{DCFEAFA6-E5C4-4330-972E-5DA36B82C6D3}"/>
+              </a:ext>
+            </a:extLst>
+          </p:cNvPr>
+          <p:cNvSpPr>
+            <a:spLocks noGrp="1"/>
+          </p:cNvSpPr>
+          <p:nvPr>
+            <p:ph type="title"/>
+          </p:nvPr>
+        </p:nvSpPr>
+        <p:spPr/>
+        <p:txBody>
+          <a:bodyPr/>
+          <a:lstStyle/>
+          <a:p>
+            <a:r>
+              <a:rPr lang="ru-RU" cap="none" dirty="0">
+                <a:latin typeface="Times New Roman" panose="02020603050405020304" pitchFamily="18" charset="0"/>
+                <a:cs typeface="Times New Roman" panose="02020603050405020304" pitchFamily="18" charset="0"/>
+              </a:rPr>
+              <a:t>Идеи улучшения сайта</a:t>
+            </a:r>
+          </a:p>
+        </p:txBody>
+      </p:sp>
+      <p:sp>
+        <p:nvSpPr>
+          <p:cNvPr id="3" name="Объект 2">
+            <a:extLst>
+              <a:ext uri="{FF2B5EF4-FFF2-40B4-BE49-F238E27FC236}">
+                <a16:creationId xmlns:a16="http://schemas.microsoft.com/office/drawing/2014/main" id="{665C9EC0-A122-457A-BDBB-5F046DE0AA98}"/>
+              </a:ext>
+            </a:extLst>
+          </p:cNvPr>
+          <p:cNvSpPr>
+            <a:spLocks noGrp="1"/>
+          </p:cNvSpPr>
+          <p:nvPr>
+            <p:ph idx="1"/>
+          </p:nvPr>
+        </p:nvSpPr>
+        <p:spPr/>
+        <p:txBody>
+          <a:bodyPr>
+            <a:normAutofit/>
+          </a:bodyPr>
+          <a:lstStyle/>
+          <a:p>
+            <a:r>
+              <a:rPr lang="ru-RU" sz="2800" dirty="0">
+                <a:latin typeface="Times New Roman" panose="02020603050405020304" pitchFamily="18" charset="0"/>
+                <a:cs typeface="Times New Roman" panose="02020603050405020304" pitchFamily="18" charset="0"/>
+              </a:rPr>
+              <a:t>Расширение фильтров </a:t>
+            </a:r>
+          </a:p>
+          <a:p>
+            <a:r>
+              <a:rPr lang="ru-RU" sz="2800" dirty="0">
+                <a:latin typeface="Times New Roman" panose="02020603050405020304" pitchFamily="18" charset="0"/>
+                <a:cs typeface="Times New Roman" panose="02020603050405020304" pitchFamily="18" charset="0"/>
+              </a:rPr>
+              <a:t>Увеличение выбора фильмов</a:t>
+            </a:r>
+          </a:p>
+          <a:p>
+            <a:r>
+              <a:rPr lang="ru-RU" sz="2800" dirty="0">
+                <a:latin typeface="Times New Roman" panose="02020603050405020304" pitchFamily="18" charset="0"/>
+                <a:cs typeface="Times New Roman" panose="02020603050405020304" pitchFamily="18" charset="0"/>
+              </a:rPr>
+              <a:t>Появление трейлеров к фильмам</a:t>
+            </a:r>
+          </a:p>
+        </p:txBody>
+      </p:sp>
+    </p:spTree>
+    <p:extLst>
+      <p:ext uri="{BB962C8B-B14F-4D97-AF65-F5344CB8AC3E}">
+        <p14:creationId xmlns:p14="http://schemas.microsoft.com/office/powerpoint/2010/main" val="405773528"/>
+      </p:ext>
+    </p:extLst>
+  </p:cSld>
+  <p:clrMapOvr>
+    <a:masterClrMapping/>
+  </p:clrMapOvr>
+</p:sld>
+</file>
+
+<file path=ppt/slides/slide21.xml><?xml version="1.0" encoding="utf-8"?>
+<p:sld xmlns:a="http://schemas.openxmlformats.org/drawingml/2006/main" xmlns:r="http://schemas.openxmlformats.org/officeDocument/2006/relationships" xmlns:p="http://schemas.openxmlformats.org/presentationml/2006/main">
+  <p:cSld>
+    <p:spTree>
+      <p:nvGrpSpPr>
+        <p:cNvPr id="1" name=""/>
+        <p:cNvGrpSpPr/>
+        <p:nvPr/>
+      </p:nvGrpSpPr>
+      <p:grpSpPr>
+        <a:xfrm>
+          <a:off x="0" y="0"/>
+          <a:ext cx="0" cy="0"/>
+          <a:chOff x="0" y="0"/>
+          <a:chExt cx="0" cy="0"/>
+        </a:xfrm>
+      </p:grpSpPr>
+      <p:sp>
+        <p:nvSpPr>
+          <p:cNvPr id="2" name="Заголовок 1">
+            <a:extLst>
+              <a:ext uri="{FF2B5EF4-FFF2-40B4-BE49-F238E27FC236}">
+                <a16:creationId xmlns:a16="http://schemas.microsoft.com/office/drawing/2014/main" id="{16F751BA-EBB0-4320-9E56-413039E30A7E}"/>
+              </a:ext>
+            </a:extLst>
+          </p:cNvPr>
+          <p:cNvSpPr>
+            <a:spLocks noGrp="1"/>
+          </p:cNvSpPr>
+          <p:nvPr>
+            <p:ph type="title"/>
+          </p:nvPr>
+        </p:nvSpPr>
+        <p:spPr>
+          <a:xfrm>
+            <a:off x="1451579" y="2074460"/>
+            <a:ext cx="9603275" cy="2265528"/>
+          </a:xfrm>
+        </p:spPr>
+        <p:txBody>
+          <a:bodyPr>
+            <a:normAutofit/>
+          </a:bodyPr>
+          <a:lstStyle/>
+          <a:p>
+            <a:pPr algn="ctr"/>
+            <a:r>
+              <a:rPr lang="ru-RU" sz="3600" cap="none" dirty="0">
+                <a:latin typeface="Times New Roman" panose="02020603050405020304" pitchFamily="18" charset="0"/>
+                <a:cs typeface="Times New Roman" panose="02020603050405020304" pitchFamily="18" charset="0"/>
+              </a:rPr>
+              <a:t>Спасибо за внимание!</a:t>
+            </a:r>
+          </a:p>
+        </p:txBody>
+      </p:sp>
+    </p:spTree>
+    <p:extLst>
+      <p:ext uri="{BB962C8B-B14F-4D97-AF65-F5344CB8AC3E}">
+        <p14:creationId xmlns:p14="http://schemas.microsoft.com/office/powerpoint/2010/main" val="4197334634"/>
       </p:ext>
     </p:extLst>
   </p:cSld>
@@ -3761,14 +5010,22 @@
             <p:ph type="title"/>
           </p:nvPr>
         </p:nvSpPr>
-        <p:spPr/>
-        <p:txBody>
-          <a:bodyPr/>
-          <a:lstStyle/>
-          <a:p>
-            <a:r>
-              <a:rPr lang="ru-RU" cap="none" dirty="0"/>
-              <a:t>Правила сайта</a:t>
+        <p:spPr>
+          <a:xfrm>
+            <a:off x="1451579" y="867037"/>
+            <a:ext cx="9603275" cy="1049235"/>
+          </a:xfrm>
+        </p:spPr>
+        <p:txBody>
+          <a:bodyPr/>
+          <a:lstStyle/>
+          <a:p>
+            <a:r>
+              <a:rPr lang="ru-RU" cap="none" dirty="0">
+                <a:latin typeface="Times New Roman" panose="02020603050405020304" pitchFamily="18" charset="0"/>
+                <a:cs typeface="Times New Roman" panose="02020603050405020304" pitchFamily="18" charset="0"/>
+              </a:rPr>
+              <a:t>Правила работы с сайтом</a:t>
             </a:r>
           </a:p>
         </p:txBody>
@@ -3797,19 +5054,28 @@
           <a:lstStyle/>
           <a:p>
             <a:r>
-              <a:rPr lang="ru-RU" sz="2800" dirty="0"/>
+              <a:rPr lang="ru-RU" sz="2800" dirty="0">
+                <a:latin typeface="Times New Roman" panose="02020603050405020304" pitchFamily="18" charset="0"/>
+                <a:cs typeface="Times New Roman" panose="02020603050405020304" pitchFamily="18" charset="0"/>
+              </a:rPr>
               <a:t>Авторизация</a:t>
             </a:r>
           </a:p>
           <a:p>
             <a:r>
-              <a:rPr lang="ru-RU" sz="2800" dirty="0"/>
+              <a:rPr lang="ru-RU" sz="2800" dirty="0">
+                <a:latin typeface="Times New Roman" panose="02020603050405020304" pitchFamily="18" charset="0"/>
+                <a:cs typeface="Times New Roman" panose="02020603050405020304" pitchFamily="18" charset="0"/>
+              </a:rPr>
               <a:t>Настройка фильтров</a:t>
             </a:r>
           </a:p>
           <a:p>
             <a:r>
-              <a:rPr lang="ru-RU" sz="2800" dirty="0"/>
+              <a:rPr lang="ru-RU" sz="2800" dirty="0">
+                <a:latin typeface="Times New Roman" panose="02020603050405020304" pitchFamily="18" charset="0"/>
+                <a:cs typeface="Times New Roman" panose="02020603050405020304" pitchFamily="18" charset="0"/>
+              </a:rPr>
               <a:t>Выбор наиболее интересного фильма из предложенных</a:t>
             </a:r>
           </a:p>
@@ -3850,7 +5116,7 @@
           <p:cNvPr id="2" name="Заголовок 1">
             <a:extLst>
               <a:ext uri="{FF2B5EF4-FFF2-40B4-BE49-F238E27FC236}">
-                <a16:creationId xmlns:a16="http://schemas.microsoft.com/office/drawing/2014/main" id="{DCFEAFA6-E5C4-4330-972E-5DA36B82C6D3}"/>
+                <a16:creationId xmlns:a16="http://schemas.microsoft.com/office/drawing/2014/main" id="{6707738C-08C5-4F32-BC44-E5D0A3C75C8D}"/>
               </a:ext>
             </a:extLst>
           </p:cNvPr>
@@ -3867,64 +5133,827 @@
           <a:lstStyle/>
           <a:p>
             <a:r>
-              <a:rPr lang="ru-RU" cap="none" dirty="0"/>
-              <a:t>Идеи улучшения игры</a:t>
-            </a:r>
-          </a:p>
-        </p:txBody>
-      </p:sp>
-      <p:sp>
-        <p:nvSpPr>
-          <p:cNvPr id="3" name="Объект 2">
+              <a:rPr lang="ru-RU" cap="none" dirty="0">
+                <a:latin typeface="Times New Roman" panose="02020603050405020304" pitchFamily="18" charset="0"/>
+                <a:cs typeface="Times New Roman" panose="02020603050405020304" pitchFamily="18" charset="0"/>
+              </a:rPr>
+              <a:t>Реализация. Шаблон </a:t>
+            </a:r>
+            <a:r>
+              <a:rPr lang="en-US" cap="none" dirty="0">
+                <a:latin typeface="Times New Roman" panose="02020603050405020304" pitchFamily="18" charset="0"/>
+                <a:cs typeface="Times New Roman" panose="02020603050405020304" pitchFamily="18" charset="0"/>
+              </a:rPr>
+              <a:t>base</a:t>
+            </a:r>
+            <a:endParaRPr lang="ru-RU" cap="none" dirty="0">
+              <a:latin typeface="Times New Roman" panose="02020603050405020304" pitchFamily="18" charset="0"/>
+              <a:cs typeface="Times New Roman" panose="02020603050405020304" pitchFamily="18" charset="0"/>
+            </a:endParaRPr>
+          </a:p>
+        </p:txBody>
+      </p:sp>
+      <p:pic>
+        <p:nvPicPr>
+          <p:cNvPr id="9" name="Объект 8">
             <a:extLst>
               <a:ext uri="{FF2B5EF4-FFF2-40B4-BE49-F238E27FC236}">
-                <a16:creationId xmlns:a16="http://schemas.microsoft.com/office/drawing/2014/main" id="{665C9EC0-A122-457A-BDBB-5F046DE0AA98}"/>
+                <a16:creationId xmlns:a16="http://schemas.microsoft.com/office/drawing/2014/main" id="{1EF36C76-C1A9-4153-B201-2C1345BE7DEB}"/>
               </a:ext>
             </a:extLst>
           </p:cNvPr>
-          <p:cNvSpPr>
-            <a:spLocks noGrp="1"/>
-          </p:cNvSpPr>
+          <p:cNvPicPr>
+            <a:picLocks noGrp="1" noChangeAspect="1"/>
+          </p:cNvPicPr>
           <p:nvPr>
             <p:ph idx="1"/>
           </p:nvPr>
-        </p:nvSpPr>
-        <p:spPr/>
-        <p:txBody>
-          <a:bodyPr>
-            <a:normAutofit/>
-          </a:bodyPr>
-          <a:lstStyle/>
-          <a:p>
-            <a:r>
-              <a:rPr lang="ru-RU" sz="2800" dirty="0"/>
-              <a:t>Расширение фильтров </a:t>
-            </a:r>
-          </a:p>
-          <a:p>
-            <a:r>
-              <a:rPr lang="ru-RU" sz="2800" dirty="0"/>
-              <a:t>Увеличение выбора фильмов</a:t>
-            </a:r>
-          </a:p>
-          <a:p>
-            <a:r>
-              <a:rPr lang="ru-RU" sz="2800" dirty="0"/>
-              <a:t>Рекомендации фильмов по предпочтениям</a:t>
-            </a:r>
-          </a:p>
-          <a:p>
-            <a:r>
-              <a:rPr lang="ru-RU" sz="2800" dirty="0"/>
-              <a:t>Появление трейлеров к фильмам</a:t>
-            </a:r>
-          </a:p>
-        </p:txBody>
-      </p:sp>
+        </p:nvPicPr>
+        <p:blipFill>
+          <a:blip r:embed="rId2"/>
+          <a:stretch>
+            <a:fillRect/>
+          </a:stretch>
+        </p:blipFill>
+        <p:spPr>
+          <a:xfrm>
+            <a:off x="3529264" y="1908397"/>
+            <a:ext cx="5646820" cy="4842649"/>
+          </a:xfrm>
+        </p:spPr>
+      </p:pic>
     </p:spTree>
     <p:extLst>
       <p:ext uri="{BB962C8B-B14F-4D97-AF65-F5344CB8AC3E}">
-        <p14:creationId xmlns:p14="http://schemas.microsoft.com/office/powerpoint/2010/main" val="405773528"/>
+        <p14:creationId xmlns:p14="http://schemas.microsoft.com/office/powerpoint/2010/main" val="1011108803"/>
+      </p:ext>
+    </p:extLst>
+  </p:cSld>
+  <p:clrMapOvr>
+    <a:masterClrMapping/>
+  </p:clrMapOvr>
+</p:sld>
+</file>
+
+<file path=ppt/slides/slide5.xml><?xml version="1.0" encoding="utf-8"?>
+<p:sld xmlns:a="http://schemas.openxmlformats.org/drawingml/2006/main" xmlns:r="http://schemas.openxmlformats.org/officeDocument/2006/relationships" xmlns:p="http://schemas.openxmlformats.org/presentationml/2006/main">
+  <p:cSld>
+    <p:spTree>
+      <p:nvGrpSpPr>
+        <p:cNvPr id="1" name=""/>
+        <p:cNvGrpSpPr/>
+        <p:nvPr/>
+      </p:nvGrpSpPr>
+      <p:grpSpPr>
+        <a:xfrm>
+          <a:off x="0" y="0"/>
+          <a:ext cx="0" cy="0"/>
+          <a:chOff x="0" y="0"/>
+          <a:chExt cx="0" cy="0"/>
+        </a:xfrm>
+      </p:grpSpPr>
+      <p:sp>
+        <p:nvSpPr>
+          <p:cNvPr id="2" name="Заголовок 1">
+            <a:extLst>
+              <a:ext uri="{FF2B5EF4-FFF2-40B4-BE49-F238E27FC236}">
+                <a16:creationId xmlns:a16="http://schemas.microsoft.com/office/drawing/2014/main" id="{BF0DD90D-2FC9-4FAD-A1A6-47F7A2F1A232}"/>
+              </a:ext>
+            </a:extLst>
+          </p:cNvPr>
+          <p:cNvSpPr>
+            <a:spLocks noGrp="1"/>
+          </p:cNvSpPr>
+          <p:nvPr>
+            <p:ph type="title"/>
+          </p:nvPr>
+        </p:nvSpPr>
+        <p:spPr>
+          <a:xfrm>
+            <a:off x="1451579" y="208547"/>
+            <a:ext cx="9603275" cy="673769"/>
+          </a:xfrm>
+        </p:spPr>
+        <p:txBody>
+          <a:bodyPr/>
+          <a:lstStyle/>
+          <a:p>
+            <a:r>
+              <a:rPr lang="ru-RU" cap="none" dirty="0">
+                <a:latin typeface="Times New Roman" panose="02020603050405020304" pitchFamily="18" charset="0"/>
+                <a:cs typeface="Times New Roman" panose="02020603050405020304" pitchFamily="18" charset="0"/>
+              </a:rPr>
+              <a:t>Реализация. Функции</a:t>
+            </a:r>
+          </a:p>
+        </p:txBody>
+      </p:sp>
+      <p:pic>
+        <p:nvPicPr>
+          <p:cNvPr id="5" name="Объект 4">
+            <a:extLst>
+              <a:ext uri="{FF2B5EF4-FFF2-40B4-BE49-F238E27FC236}">
+                <a16:creationId xmlns:a16="http://schemas.microsoft.com/office/drawing/2014/main" id="{91186C3C-2E8C-43FE-8E3E-915A799FFA41}"/>
+              </a:ext>
+            </a:extLst>
+          </p:cNvPr>
+          <p:cNvPicPr>
+            <a:picLocks noGrp="1" noChangeAspect="1"/>
+          </p:cNvPicPr>
+          <p:nvPr>
+            <p:ph idx="1"/>
+          </p:nvPr>
+        </p:nvPicPr>
+        <p:blipFill>
+          <a:blip r:embed="rId2"/>
+          <a:stretch>
+            <a:fillRect/>
+          </a:stretch>
+        </p:blipFill>
+        <p:spPr>
+          <a:xfrm>
+            <a:off x="360112" y="1090864"/>
+            <a:ext cx="6810709" cy="1548622"/>
+          </a:xfrm>
+        </p:spPr>
+      </p:pic>
+      <p:pic>
+        <p:nvPicPr>
+          <p:cNvPr id="7" name="Рисунок 6">
+            <a:extLst>
+              <a:ext uri="{FF2B5EF4-FFF2-40B4-BE49-F238E27FC236}">
+                <a16:creationId xmlns:a16="http://schemas.microsoft.com/office/drawing/2014/main" id="{C5243F04-F24E-4DBC-AF41-8059DAA37578}"/>
+              </a:ext>
+            </a:extLst>
+          </p:cNvPr>
+          <p:cNvPicPr>
+            <a:picLocks noChangeAspect="1"/>
+          </p:cNvPicPr>
+          <p:nvPr/>
+        </p:nvPicPr>
+        <p:blipFill>
+          <a:blip r:embed="rId3"/>
+          <a:stretch>
+            <a:fillRect/>
+          </a:stretch>
+        </p:blipFill>
+        <p:spPr>
+          <a:xfrm>
+            <a:off x="360112" y="2915704"/>
+            <a:ext cx="4308141" cy="2851432"/>
+          </a:xfrm>
+          <a:prstGeom prst="rect">
+            <a:avLst/>
+          </a:prstGeom>
+        </p:spPr>
+      </p:pic>
+      <p:pic>
+        <p:nvPicPr>
+          <p:cNvPr id="9" name="Рисунок 8">
+            <a:extLst>
+              <a:ext uri="{FF2B5EF4-FFF2-40B4-BE49-F238E27FC236}">
+                <a16:creationId xmlns:a16="http://schemas.microsoft.com/office/drawing/2014/main" id="{C8CC0BB8-6D12-4A6B-A62D-FFD08228E5C9}"/>
+              </a:ext>
+            </a:extLst>
+          </p:cNvPr>
+          <p:cNvPicPr>
+            <a:picLocks noChangeAspect="1"/>
+          </p:cNvPicPr>
+          <p:nvPr/>
+        </p:nvPicPr>
+        <p:blipFill>
+          <a:blip r:embed="rId4"/>
+          <a:stretch>
+            <a:fillRect/>
+          </a:stretch>
+        </p:blipFill>
+        <p:spPr>
+          <a:xfrm>
+            <a:off x="4858367" y="2915704"/>
+            <a:ext cx="3171231" cy="2951262"/>
+          </a:xfrm>
+          <a:prstGeom prst="rect">
+            <a:avLst/>
+          </a:prstGeom>
+        </p:spPr>
+      </p:pic>
+      <p:pic>
+        <p:nvPicPr>
+          <p:cNvPr id="11" name="Рисунок 10">
+            <a:extLst>
+              <a:ext uri="{FF2B5EF4-FFF2-40B4-BE49-F238E27FC236}">
+                <a16:creationId xmlns:a16="http://schemas.microsoft.com/office/drawing/2014/main" id="{BED200DE-27A4-418B-9C03-A02029D78CF4}"/>
+              </a:ext>
+            </a:extLst>
+          </p:cNvPr>
+          <p:cNvPicPr>
+            <a:picLocks noChangeAspect="1"/>
+          </p:cNvPicPr>
+          <p:nvPr/>
+        </p:nvPicPr>
+        <p:blipFill>
+          <a:blip r:embed="rId5"/>
+          <a:stretch>
+            <a:fillRect/>
+          </a:stretch>
+        </p:blipFill>
+        <p:spPr>
+          <a:xfrm>
+            <a:off x="8219712" y="1179653"/>
+            <a:ext cx="3653496" cy="4118377"/>
+          </a:xfrm>
+          <a:prstGeom prst="rect">
+            <a:avLst/>
+          </a:prstGeom>
+        </p:spPr>
+      </p:pic>
+    </p:spTree>
+    <p:extLst>
+      <p:ext uri="{BB962C8B-B14F-4D97-AF65-F5344CB8AC3E}">
+        <p14:creationId xmlns:p14="http://schemas.microsoft.com/office/powerpoint/2010/main" val="2530430023"/>
+      </p:ext>
+    </p:extLst>
+  </p:cSld>
+  <p:clrMapOvr>
+    <a:masterClrMapping/>
+  </p:clrMapOvr>
+</p:sld>
+</file>
+
+<file path=ppt/slides/slide6.xml><?xml version="1.0" encoding="utf-8"?>
+<p:sld xmlns:a="http://schemas.openxmlformats.org/drawingml/2006/main" xmlns:r="http://schemas.openxmlformats.org/officeDocument/2006/relationships" xmlns:p="http://schemas.openxmlformats.org/presentationml/2006/main">
+  <p:cSld>
+    <p:spTree>
+      <p:nvGrpSpPr>
+        <p:cNvPr id="1" name=""/>
+        <p:cNvGrpSpPr/>
+        <p:nvPr/>
+      </p:nvGrpSpPr>
+      <p:grpSpPr>
+        <a:xfrm>
+          <a:off x="0" y="0"/>
+          <a:ext cx="0" cy="0"/>
+          <a:chOff x="0" y="0"/>
+          <a:chExt cx="0" cy="0"/>
+        </a:xfrm>
+      </p:grpSpPr>
+      <p:sp>
+        <p:nvSpPr>
+          <p:cNvPr id="2" name="Заголовок 1">
+            <a:extLst>
+              <a:ext uri="{FF2B5EF4-FFF2-40B4-BE49-F238E27FC236}">
+                <a16:creationId xmlns:a16="http://schemas.microsoft.com/office/drawing/2014/main" id="{F31756B6-425C-4531-9AFE-5F54EC8C6DC6}"/>
+              </a:ext>
+            </a:extLst>
+          </p:cNvPr>
+          <p:cNvSpPr>
+            <a:spLocks noGrp="1"/>
+          </p:cNvSpPr>
+          <p:nvPr>
+            <p:ph type="title"/>
+          </p:nvPr>
+        </p:nvSpPr>
+        <p:spPr>
+          <a:xfrm>
+            <a:off x="1451579" y="144380"/>
+            <a:ext cx="9603275" cy="560078"/>
+          </a:xfrm>
+        </p:spPr>
+        <p:txBody>
+          <a:bodyPr/>
+          <a:lstStyle/>
+          <a:p>
+            <a:r>
+              <a:rPr lang="ru-RU" cap="none" dirty="0">
+                <a:latin typeface="Times New Roman" panose="02020603050405020304" pitchFamily="18" charset="0"/>
+                <a:cs typeface="Times New Roman" panose="02020603050405020304" pitchFamily="18" charset="0"/>
+              </a:rPr>
+              <a:t>Реализация. </a:t>
+            </a:r>
+            <a:r>
+              <a:rPr lang="en-US" cap="none" dirty="0">
+                <a:latin typeface="Times New Roman" panose="02020603050405020304" pitchFamily="18" charset="0"/>
+                <a:cs typeface="Times New Roman" panose="02020603050405020304" pitchFamily="18" charset="0"/>
+              </a:rPr>
+              <a:t>main</a:t>
+            </a:r>
+            <a:endParaRPr lang="ru-RU" cap="none" dirty="0">
+              <a:latin typeface="Times New Roman" panose="02020603050405020304" pitchFamily="18" charset="0"/>
+              <a:cs typeface="Times New Roman" panose="02020603050405020304" pitchFamily="18" charset="0"/>
+            </a:endParaRPr>
+          </a:p>
+        </p:txBody>
+      </p:sp>
+      <p:pic>
+        <p:nvPicPr>
+          <p:cNvPr id="5" name="Объект 4">
+            <a:extLst>
+              <a:ext uri="{FF2B5EF4-FFF2-40B4-BE49-F238E27FC236}">
+                <a16:creationId xmlns:a16="http://schemas.microsoft.com/office/drawing/2014/main" id="{BAD09B5F-C7C0-4342-91A8-5BF26C0364A8}"/>
+              </a:ext>
+            </a:extLst>
+          </p:cNvPr>
+          <p:cNvPicPr>
+            <a:picLocks noGrp="1" noChangeAspect="1"/>
+          </p:cNvPicPr>
+          <p:nvPr>
+            <p:ph idx="1"/>
+          </p:nvPr>
+        </p:nvPicPr>
+        <p:blipFill>
+          <a:blip r:embed="rId2"/>
+          <a:stretch>
+            <a:fillRect/>
+          </a:stretch>
+        </p:blipFill>
+        <p:spPr>
+          <a:xfrm>
+            <a:off x="5454316" y="3966076"/>
+            <a:ext cx="5953786" cy="1550711"/>
+          </a:xfrm>
+        </p:spPr>
+      </p:pic>
+      <p:pic>
+        <p:nvPicPr>
+          <p:cNvPr id="9" name="Рисунок 8">
+            <a:extLst>
+              <a:ext uri="{FF2B5EF4-FFF2-40B4-BE49-F238E27FC236}">
+                <a16:creationId xmlns:a16="http://schemas.microsoft.com/office/drawing/2014/main" id="{72C2E578-FCD2-4F3B-95DF-A1F064013B9C}"/>
+              </a:ext>
+            </a:extLst>
+          </p:cNvPr>
+          <p:cNvPicPr>
+            <a:picLocks noChangeAspect="1"/>
+          </p:cNvPicPr>
+          <p:nvPr/>
+        </p:nvPicPr>
+        <p:blipFill>
+          <a:blip r:embed="rId3"/>
+          <a:stretch>
+            <a:fillRect/>
+          </a:stretch>
+        </p:blipFill>
+        <p:spPr>
+          <a:xfrm>
+            <a:off x="5614736" y="406662"/>
+            <a:ext cx="5286105" cy="3421678"/>
+          </a:xfrm>
+          <a:prstGeom prst="rect">
+            <a:avLst/>
+          </a:prstGeom>
+        </p:spPr>
+      </p:pic>
+      <p:pic>
+        <p:nvPicPr>
+          <p:cNvPr id="11" name="Рисунок 10">
+            <a:extLst>
+              <a:ext uri="{FF2B5EF4-FFF2-40B4-BE49-F238E27FC236}">
+                <a16:creationId xmlns:a16="http://schemas.microsoft.com/office/drawing/2014/main" id="{68ED8A7F-4788-47A2-AD77-28E6A7D1C4DE}"/>
+              </a:ext>
+            </a:extLst>
+          </p:cNvPr>
+          <p:cNvPicPr>
+            <a:picLocks noChangeAspect="1"/>
+          </p:cNvPicPr>
+          <p:nvPr/>
+        </p:nvPicPr>
+        <p:blipFill>
+          <a:blip r:embed="rId4"/>
+          <a:stretch>
+            <a:fillRect/>
+          </a:stretch>
+        </p:blipFill>
+        <p:spPr>
+          <a:xfrm>
+            <a:off x="225594" y="863754"/>
+            <a:ext cx="3842919" cy="1162879"/>
+          </a:xfrm>
+          <a:prstGeom prst="rect">
+            <a:avLst/>
+          </a:prstGeom>
+        </p:spPr>
+      </p:pic>
+      <p:pic>
+        <p:nvPicPr>
+          <p:cNvPr id="13" name="Рисунок 12">
+            <a:extLst>
+              <a:ext uri="{FF2B5EF4-FFF2-40B4-BE49-F238E27FC236}">
+                <a16:creationId xmlns:a16="http://schemas.microsoft.com/office/drawing/2014/main" id="{E7DF208C-9481-4301-A509-2389A538B3C9}"/>
+              </a:ext>
+            </a:extLst>
+          </p:cNvPr>
+          <p:cNvPicPr>
+            <a:picLocks noChangeAspect="1"/>
+          </p:cNvPicPr>
+          <p:nvPr/>
+        </p:nvPicPr>
+        <p:blipFill>
+          <a:blip r:embed="rId5"/>
+          <a:stretch>
+            <a:fillRect/>
+          </a:stretch>
+        </p:blipFill>
+        <p:spPr>
+          <a:xfrm>
+            <a:off x="270551" y="2185929"/>
+            <a:ext cx="4388350" cy="3474790"/>
+          </a:xfrm>
+          <a:prstGeom prst="rect">
+            <a:avLst/>
+          </a:prstGeom>
+        </p:spPr>
+      </p:pic>
+    </p:spTree>
+    <p:extLst>
+      <p:ext uri="{BB962C8B-B14F-4D97-AF65-F5344CB8AC3E}">
+        <p14:creationId xmlns:p14="http://schemas.microsoft.com/office/powerpoint/2010/main" val="2733867350"/>
+      </p:ext>
+    </p:extLst>
+  </p:cSld>
+  <p:clrMapOvr>
+    <a:masterClrMapping/>
+  </p:clrMapOvr>
+</p:sld>
+</file>
+
+<file path=ppt/slides/slide7.xml><?xml version="1.0" encoding="utf-8"?>
+<p:sld xmlns:a="http://schemas.openxmlformats.org/drawingml/2006/main" xmlns:r="http://schemas.openxmlformats.org/officeDocument/2006/relationships" xmlns:p="http://schemas.openxmlformats.org/presentationml/2006/main">
+  <p:cSld>
+    <p:spTree>
+      <p:nvGrpSpPr>
+        <p:cNvPr id="1" name=""/>
+        <p:cNvGrpSpPr/>
+        <p:nvPr/>
+      </p:nvGrpSpPr>
+      <p:grpSpPr>
+        <a:xfrm>
+          <a:off x="0" y="0"/>
+          <a:ext cx="0" cy="0"/>
+          <a:chOff x="0" y="0"/>
+          <a:chExt cx="0" cy="0"/>
+        </a:xfrm>
+      </p:grpSpPr>
+      <p:sp>
+        <p:nvSpPr>
+          <p:cNvPr id="2" name="Заголовок 1">
+            <a:extLst>
+              <a:ext uri="{FF2B5EF4-FFF2-40B4-BE49-F238E27FC236}">
+                <a16:creationId xmlns:a16="http://schemas.microsoft.com/office/drawing/2014/main" id="{ED8EC29E-140F-4A05-8311-B70DF261A7BD}"/>
+              </a:ext>
+            </a:extLst>
+          </p:cNvPr>
+          <p:cNvSpPr>
+            <a:spLocks noGrp="1"/>
+          </p:cNvSpPr>
+          <p:nvPr>
+            <p:ph type="title"/>
+          </p:nvPr>
+        </p:nvSpPr>
+        <p:spPr/>
+        <p:txBody>
+          <a:bodyPr/>
+          <a:lstStyle/>
+          <a:p>
+            <a:r>
+              <a:rPr lang="ru-RU" cap="none" dirty="0">
+                <a:latin typeface="Times New Roman" panose="02020603050405020304" pitchFamily="18" charset="0"/>
+                <a:cs typeface="Times New Roman" panose="02020603050405020304" pitchFamily="18" charset="0"/>
+              </a:rPr>
+              <a:t>Реализация. </a:t>
+            </a:r>
+            <a:r>
+              <a:rPr lang="en-US" cap="none" dirty="0">
+                <a:latin typeface="Times New Roman" panose="02020603050405020304" pitchFamily="18" charset="0"/>
+                <a:cs typeface="Times New Roman" panose="02020603050405020304" pitchFamily="18" charset="0"/>
+              </a:rPr>
+              <a:t>main</a:t>
+            </a:r>
+            <a:endParaRPr lang="ru-RU" cap="none" dirty="0">
+              <a:latin typeface="Times New Roman" panose="02020603050405020304" pitchFamily="18" charset="0"/>
+              <a:cs typeface="Times New Roman" panose="02020603050405020304" pitchFamily="18" charset="0"/>
+            </a:endParaRPr>
+          </a:p>
+        </p:txBody>
+      </p:sp>
+      <p:pic>
+        <p:nvPicPr>
+          <p:cNvPr id="5" name="Объект 4">
+            <a:extLst>
+              <a:ext uri="{FF2B5EF4-FFF2-40B4-BE49-F238E27FC236}">
+                <a16:creationId xmlns:a16="http://schemas.microsoft.com/office/drawing/2014/main" id="{4D65C35F-427B-445E-853A-64987A933AB3}"/>
+              </a:ext>
+            </a:extLst>
+          </p:cNvPr>
+          <p:cNvPicPr>
+            <a:picLocks noGrp="1" noChangeAspect="1"/>
+          </p:cNvPicPr>
+          <p:nvPr>
+            <p:ph idx="1"/>
+          </p:nvPr>
+        </p:nvPicPr>
+        <p:blipFill>
+          <a:blip r:embed="rId2"/>
+          <a:stretch>
+            <a:fillRect/>
+          </a:stretch>
+        </p:blipFill>
+        <p:spPr>
+          <a:xfrm>
+            <a:off x="3705814" y="1853754"/>
+            <a:ext cx="4780372" cy="3785202"/>
+          </a:xfrm>
+        </p:spPr>
+      </p:pic>
+    </p:spTree>
+    <p:extLst>
+      <p:ext uri="{BB962C8B-B14F-4D97-AF65-F5344CB8AC3E}">
+        <p14:creationId xmlns:p14="http://schemas.microsoft.com/office/powerpoint/2010/main" val="2089857712"/>
+      </p:ext>
+    </p:extLst>
+  </p:cSld>
+  <p:clrMapOvr>
+    <a:masterClrMapping/>
+  </p:clrMapOvr>
+</p:sld>
+</file>
+
+<file path=ppt/slides/slide8.xml><?xml version="1.0" encoding="utf-8"?>
+<p:sld xmlns:a="http://schemas.openxmlformats.org/drawingml/2006/main" xmlns:r="http://schemas.openxmlformats.org/officeDocument/2006/relationships" xmlns:p="http://schemas.openxmlformats.org/presentationml/2006/main">
+  <p:cSld>
+    <p:spTree>
+      <p:nvGrpSpPr>
+        <p:cNvPr id="1" name=""/>
+        <p:cNvGrpSpPr/>
+        <p:nvPr/>
+      </p:nvGrpSpPr>
+      <p:grpSpPr>
+        <a:xfrm>
+          <a:off x="0" y="0"/>
+          <a:ext cx="0" cy="0"/>
+          <a:chOff x="0" y="0"/>
+          <a:chExt cx="0" cy="0"/>
+        </a:xfrm>
+      </p:grpSpPr>
+      <p:sp>
+        <p:nvSpPr>
+          <p:cNvPr id="2" name="Заголовок 1">
+            <a:extLst>
+              <a:ext uri="{FF2B5EF4-FFF2-40B4-BE49-F238E27FC236}">
+                <a16:creationId xmlns:a16="http://schemas.microsoft.com/office/drawing/2014/main" id="{98BC95E6-2C0C-4CA9-A2F6-9359A7970A71}"/>
+              </a:ext>
+            </a:extLst>
+          </p:cNvPr>
+          <p:cNvSpPr>
+            <a:spLocks noGrp="1"/>
+          </p:cNvSpPr>
+          <p:nvPr>
+            <p:ph type="title"/>
+          </p:nvPr>
+        </p:nvSpPr>
+        <p:spPr>
+          <a:xfrm>
+            <a:off x="1451579" y="867037"/>
+            <a:ext cx="9603275" cy="1049235"/>
+          </a:xfrm>
+        </p:spPr>
+        <p:txBody>
+          <a:bodyPr/>
+          <a:lstStyle/>
+          <a:p>
+            <a:r>
+              <a:rPr lang="ru-RU" cap="none" dirty="0">
+                <a:latin typeface="Times New Roman" panose="02020603050405020304" pitchFamily="18" charset="0"/>
+                <a:cs typeface="Times New Roman" panose="02020603050405020304" pitchFamily="18" charset="0"/>
+              </a:rPr>
+              <a:t>Реализация. </a:t>
+            </a:r>
+            <a:r>
+              <a:rPr lang="en-US" cap="none" dirty="0">
+                <a:latin typeface="Times New Roman" panose="02020603050405020304" pitchFamily="18" charset="0"/>
+                <a:cs typeface="Times New Roman" panose="02020603050405020304" pitchFamily="18" charset="0"/>
+              </a:rPr>
+              <a:t>__</a:t>
+            </a:r>
+            <a:r>
+              <a:rPr lang="en-US" cap="none" dirty="0" err="1">
+                <a:latin typeface="Times New Roman" panose="02020603050405020304" pitchFamily="18" charset="0"/>
+                <a:cs typeface="Times New Roman" panose="02020603050405020304" pitchFamily="18" charset="0"/>
+              </a:rPr>
+              <a:t>all_models</a:t>
+            </a:r>
+            <a:endParaRPr lang="ru-RU" cap="none" dirty="0">
+              <a:latin typeface="Times New Roman" panose="02020603050405020304" pitchFamily="18" charset="0"/>
+              <a:cs typeface="Times New Roman" panose="02020603050405020304" pitchFamily="18" charset="0"/>
+            </a:endParaRPr>
+          </a:p>
+        </p:txBody>
+      </p:sp>
+      <p:pic>
+        <p:nvPicPr>
+          <p:cNvPr id="5" name="Объект 4">
+            <a:extLst>
+              <a:ext uri="{FF2B5EF4-FFF2-40B4-BE49-F238E27FC236}">
+                <a16:creationId xmlns:a16="http://schemas.microsoft.com/office/drawing/2014/main" id="{0A045CF5-5C50-4DFE-B6DB-2A6E6A159684}"/>
+              </a:ext>
+            </a:extLst>
+          </p:cNvPr>
+          <p:cNvPicPr>
+            <a:picLocks noGrp="1" noChangeAspect="1"/>
+          </p:cNvPicPr>
+          <p:nvPr>
+            <p:ph idx="1"/>
+          </p:nvPr>
+        </p:nvPicPr>
+        <p:blipFill>
+          <a:blip r:embed="rId2"/>
+          <a:stretch>
+            <a:fillRect/>
+          </a:stretch>
+        </p:blipFill>
+        <p:spPr>
+          <a:xfrm>
+            <a:off x="3361380" y="2261937"/>
+            <a:ext cx="5998940" cy="2855495"/>
+          </a:xfrm>
+        </p:spPr>
+      </p:pic>
+    </p:spTree>
+    <p:extLst>
+      <p:ext uri="{BB962C8B-B14F-4D97-AF65-F5344CB8AC3E}">
+        <p14:creationId xmlns:p14="http://schemas.microsoft.com/office/powerpoint/2010/main" val="3705472567"/>
+      </p:ext>
+    </p:extLst>
+  </p:cSld>
+  <p:clrMapOvr>
+    <a:masterClrMapping/>
+  </p:clrMapOvr>
+</p:sld>
+</file>
+
+<file path=ppt/slides/slide9.xml><?xml version="1.0" encoding="utf-8"?>
+<p:sld xmlns:a="http://schemas.openxmlformats.org/drawingml/2006/main" xmlns:r="http://schemas.openxmlformats.org/officeDocument/2006/relationships" xmlns:p="http://schemas.openxmlformats.org/presentationml/2006/main">
+  <p:cSld>
+    <p:spTree>
+      <p:nvGrpSpPr>
+        <p:cNvPr id="1" name=""/>
+        <p:cNvGrpSpPr/>
+        <p:nvPr/>
+      </p:nvGrpSpPr>
+      <p:grpSpPr>
+        <a:xfrm>
+          <a:off x="0" y="0"/>
+          <a:ext cx="0" cy="0"/>
+          <a:chOff x="0" y="0"/>
+          <a:chExt cx="0" cy="0"/>
+        </a:xfrm>
+      </p:grpSpPr>
+      <p:sp>
+        <p:nvSpPr>
+          <p:cNvPr id="2" name="Заголовок 1">
+            <a:extLst>
+              <a:ext uri="{FF2B5EF4-FFF2-40B4-BE49-F238E27FC236}">
+                <a16:creationId xmlns:a16="http://schemas.microsoft.com/office/drawing/2014/main" id="{98BC95E6-2C0C-4CA9-A2F6-9359A7970A71}"/>
+              </a:ext>
+            </a:extLst>
+          </p:cNvPr>
+          <p:cNvSpPr>
+            <a:spLocks noGrp="1"/>
+          </p:cNvSpPr>
+          <p:nvPr>
+            <p:ph type="title"/>
+          </p:nvPr>
+        </p:nvSpPr>
+        <p:spPr>
+          <a:xfrm>
+            <a:off x="1451579" y="1"/>
+            <a:ext cx="9603275" cy="1090862"/>
+          </a:xfrm>
+        </p:spPr>
+        <p:txBody>
+          <a:bodyPr/>
+          <a:lstStyle/>
+          <a:p>
+            <a:r>
+              <a:rPr lang="ru-RU" cap="none" dirty="0">
+                <a:latin typeface="Times New Roman" panose="02020603050405020304" pitchFamily="18" charset="0"/>
+                <a:cs typeface="Times New Roman" panose="02020603050405020304" pitchFamily="18" charset="0"/>
+              </a:rPr>
+              <a:t>Реализация. Классы объектов, соответствующих базам данных </a:t>
+            </a:r>
+            <a:r>
+              <a:rPr lang="en-US" cap="none" dirty="0">
+                <a:latin typeface="Times New Roman" panose="02020603050405020304" pitchFamily="18" charset="0"/>
+                <a:cs typeface="Times New Roman" panose="02020603050405020304" pitchFamily="18" charset="0"/>
+              </a:rPr>
+              <a:t>users, recs, </a:t>
+            </a:r>
+            <a:r>
+              <a:rPr lang="en-US" cap="none" dirty="0" err="1">
+                <a:latin typeface="Times New Roman" panose="02020603050405020304" pitchFamily="18" charset="0"/>
+                <a:cs typeface="Times New Roman" panose="02020603050405020304" pitchFamily="18" charset="0"/>
+              </a:rPr>
+              <a:t>infs</a:t>
+            </a:r>
+            <a:endParaRPr lang="ru-RU" cap="none" dirty="0">
+              <a:latin typeface="Times New Roman" panose="02020603050405020304" pitchFamily="18" charset="0"/>
+              <a:cs typeface="Times New Roman" panose="02020603050405020304" pitchFamily="18" charset="0"/>
+            </a:endParaRPr>
+          </a:p>
+        </p:txBody>
+      </p:sp>
+      <p:pic>
+        <p:nvPicPr>
+          <p:cNvPr id="7" name="Объект 6">
+            <a:extLst>
+              <a:ext uri="{FF2B5EF4-FFF2-40B4-BE49-F238E27FC236}">
+                <a16:creationId xmlns:a16="http://schemas.microsoft.com/office/drawing/2014/main" id="{187CA689-830D-4F05-833C-5D280447F4B1}"/>
+              </a:ext>
+            </a:extLst>
+          </p:cNvPr>
+          <p:cNvPicPr>
+            <a:picLocks noGrp="1" noChangeAspect="1"/>
+          </p:cNvPicPr>
+          <p:nvPr>
+            <p:ph idx="1"/>
+          </p:nvPr>
+        </p:nvPicPr>
+        <p:blipFill>
+          <a:blip r:embed="rId2"/>
+          <a:stretch>
+            <a:fillRect/>
+          </a:stretch>
+        </p:blipFill>
+        <p:spPr>
+          <a:xfrm>
+            <a:off x="735597" y="3617130"/>
+            <a:ext cx="4269071" cy="3027106"/>
+          </a:xfrm>
+        </p:spPr>
+      </p:pic>
+      <p:pic>
+        <p:nvPicPr>
+          <p:cNvPr id="9" name="Рисунок 8">
+            <a:extLst>
+              <a:ext uri="{FF2B5EF4-FFF2-40B4-BE49-F238E27FC236}">
+                <a16:creationId xmlns:a16="http://schemas.microsoft.com/office/drawing/2014/main" id="{DD61254E-2C1F-4365-BFA4-66D840A6A054}"/>
+              </a:ext>
+            </a:extLst>
+          </p:cNvPr>
+          <p:cNvPicPr>
+            <a:picLocks noChangeAspect="1"/>
+          </p:cNvPicPr>
+          <p:nvPr/>
+        </p:nvPicPr>
+        <p:blipFill>
+          <a:blip r:embed="rId3"/>
+          <a:stretch>
+            <a:fillRect/>
+          </a:stretch>
+        </p:blipFill>
+        <p:spPr>
+          <a:xfrm>
+            <a:off x="735597" y="1090863"/>
+            <a:ext cx="4474743" cy="2491561"/>
+          </a:xfrm>
+          <a:prstGeom prst="rect">
+            <a:avLst/>
+          </a:prstGeom>
+        </p:spPr>
+      </p:pic>
+      <p:pic>
+        <p:nvPicPr>
+          <p:cNvPr id="11" name="Рисунок 10">
+            <a:extLst>
+              <a:ext uri="{FF2B5EF4-FFF2-40B4-BE49-F238E27FC236}">
+                <a16:creationId xmlns:a16="http://schemas.microsoft.com/office/drawing/2014/main" id="{EEDD3D52-CCF1-42AF-9765-1941B47CFB9C}"/>
+              </a:ext>
+            </a:extLst>
+          </p:cNvPr>
+          <p:cNvPicPr>
+            <a:picLocks noChangeAspect="1"/>
+          </p:cNvPicPr>
+          <p:nvPr/>
+        </p:nvPicPr>
+        <p:blipFill>
+          <a:blip r:embed="rId4"/>
+          <a:stretch>
+            <a:fillRect/>
+          </a:stretch>
+        </p:blipFill>
+        <p:spPr>
+          <a:xfrm>
+            <a:off x="5725959" y="2021305"/>
+            <a:ext cx="5730444" cy="3670943"/>
+          </a:xfrm>
+          <a:prstGeom prst="rect">
+            <a:avLst/>
+          </a:prstGeom>
+        </p:spPr>
+      </p:pic>
+    </p:spTree>
+    <p:extLst>
+      <p:ext uri="{BB962C8B-B14F-4D97-AF65-F5344CB8AC3E}">
+        <p14:creationId xmlns:p14="http://schemas.microsoft.com/office/powerpoint/2010/main" val="117017654"/>
       </p:ext>
     </p:extLst>
   </p:cSld>

--- a/Для настроения.pptx
+++ b/Для настроения.pptx
@@ -24,8 +24,9 @@
     <p:sldId id="274" r:id="rId18"/>
     <p:sldId id="275" r:id="rId19"/>
     <p:sldId id="276" r:id="rId20"/>
-    <p:sldId id="260" r:id="rId21"/>
-    <p:sldId id="277" r:id="rId22"/>
+    <p:sldId id="278" r:id="rId21"/>
+    <p:sldId id="260" r:id="rId22"/>
+    <p:sldId id="277" r:id="rId23"/>
   </p:sldIdLst>
   <p:sldSz cx="12192000" cy="6858000"/>
   <p:notesSz cx="6858000" cy="9144000"/>
@@ -4818,6 +4819,251 @@
           <p:cNvPr id="2" name="Заголовок 1">
             <a:extLst>
               <a:ext uri="{FF2B5EF4-FFF2-40B4-BE49-F238E27FC236}">
+                <a16:creationId xmlns:a16="http://schemas.microsoft.com/office/drawing/2014/main" id="{32FC7A75-F4DC-4E39-8E05-D741C2380202}"/>
+              </a:ext>
+            </a:extLst>
+          </p:cNvPr>
+          <p:cNvSpPr>
+            <a:spLocks noGrp="1"/>
+          </p:cNvSpPr>
+          <p:nvPr>
+            <p:ph type="title"/>
+          </p:nvPr>
+        </p:nvSpPr>
+        <p:spPr/>
+        <p:txBody>
+          <a:bodyPr/>
+          <a:lstStyle/>
+          <a:p>
+            <a:r>
+              <a:rPr lang="ru-RU" cap="none" dirty="0">
+                <a:latin typeface="Times New Roman" panose="02020603050405020304" pitchFamily="18" charset="0"/>
+                <a:cs typeface="Times New Roman" panose="02020603050405020304" pitchFamily="18" charset="0"/>
+              </a:rPr>
+              <a:t>Технологии и библиотеки</a:t>
+            </a:r>
+          </a:p>
+        </p:txBody>
+      </p:sp>
+      <p:sp>
+        <p:nvSpPr>
+          <p:cNvPr id="3" name="Текст 2">
+            <a:extLst>
+              <a:ext uri="{FF2B5EF4-FFF2-40B4-BE49-F238E27FC236}">
+                <a16:creationId xmlns:a16="http://schemas.microsoft.com/office/drawing/2014/main" id="{83534C45-C690-4168-99EB-E705D2BA93B3}"/>
+              </a:ext>
+            </a:extLst>
+          </p:cNvPr>
+          <p:cNvSpPr>
+            <a:spLocks noGrp="1"/>
+          </p:cNvSpPr>
+          <p:nvPr>
+            <p:ph type="body" idx="1"/>
+          </p:nvPr>
+        </p:nvSpPr>
+        <p:spPr/>
+        <p:txBody>
+          <a:bodyPr/>
+          <a:lstStyle/>
+          <a:p>
+            <a:r>
+              <a:rPr lang="ru-RU" cap="none" dirty="0">
+                <a:latin typeface="Times New Roman" panose="02020603050405020304" pitchFamily="18" charset="0"/>
+                <a:cs typeface="Times New Roman" panose="02020603050405020304" pitchFamily="18" charset="0"/>
+              </a:rPr>
+              <a:t>Использованные библиотеки </a:t>
+            </a:r>
+            <a:r>
+              <a:rPr lang="en-US" cap="none" dirty="0">
+                <a:latin typeface="Times New Roman" panose="02020603050405020304" pitchFamily="18" charset="0"/>
+                <a:cs typeface="Times New Roman" panose="02020603050405020304" pitchFamily="18" charset="0"/>
+              </a:rPr>
+              <a:t>Python</a:t>
+            </a:r>
+            <a:endParaRPr lang="ru-RU" cap="none" dirty="0">
+              <a:latin typeface="Times New Roman" panose="02020603050405020304" pitchFamily="18" charset="0"/>
+              <a:cs typeface="Times New Roman" panose="02020603050405020304" pitchFamily="18" charset="0"/>
+            </a:endParaRPr>
+          </a:p>
+        </p:txBody>
+      </p:sp>
+      <p:sp>
+        <p:nvSpPr>
+          <p:cNvPr id="4" name="Объект 3">
+            <a:extLst>
+              <a:ext uri="{FF2B5EF4-FFF2-40B4-BE49-F238E27FC236}">
+                <a16:creationId xmlns:a16="http://schemas.microsoft.com/office/drawing/2014/main" id="{9D72DADD-2FA8-4481-B65C-DAA723F0F38D}"/>
+              </a:ext>
+            </a:extLst>
+          </p:cNvPr>
+          <p:cNvSpPr>
+            <a:spLocks noGrp="1"/>
+          </p:cNvSpPr>
+          <p:nvPr>
+            <p:ph sz="half" idx="2"/>
+          </p:nvPr>
+        </p:nvSpPr>
+        <p:spPr/>
+        <p:txBody>
+          <a:bodyPr/>
+          <a:lstStyle/>
+          <a:p>
+            <a:r>
+              <a:rPr lang="en-US" dirty="0">
+                <a:latin typeface="Times New Roman" panose="02020603050405020304" pitchFamily="18" charset="0"/>
+                <a:cs typeface="Times New Roman" panose="02020603050405020304" pitchFamily="18" charset="0"/>
+              </a:rPr>
+              <a:t>Flask</a:t>
+            </a:r>
+          </a:p>
+          <a:p>
+            <a:r>
+              <a:rPr lang="en-US" dirty="0" err="1">
+                <a:latin typeface="Times New Roman" panose="02020603050405020304" pitchFamily="18" charset="0"/>
+                <a:cs typeface="Times New Roman" panose="02020603050405020304" pitchFamily="18" charset="0"/>
+              </a:rPr>
+              <a:t>Flask_login</a:t>
+            </a:r>
+            <a:endParaRPr lang="en-US" dirty="0">
+              <a:latin typeface="Times New Roman" panose="02020603050405020304" pitchFamily="18" charset="0"/>
+              <a:cs typeface="Times New Roman" panose="02020603050405020304" pitchFamily="18" charset="0"/>
+            </a:endParaRPr>
+          </a:p>
+          <a:p>
+            <a:r>
+              <a:rPr lang="en-US" dirty="0" err="1">
+                <a:latin typeface="Times New Roman" panose="02020603050405020304" pitchFamily="18" charset="0"/>
+                <a:cs typeface="Times New Roman" panose="02020603050405020304" pitchFamily="18" charset="0"/>
+              </a:rPr>
+              <a:t>SQLAlshemy</a:t>
+            </a:r>
+            <a:endParaRPr lang="en-US" dirty="0">
+              <a:latin typeface="Times New Roman" panose="02020603050405020304" pitchFamily="18" charset="0"/>
+              <a:cs typeface="Times New Roman" panose="02020603050405020304" pitchFamily="18" charset="0"/>
+            </a:endParaRPr>
+          </a:p>
+          <a:p>
+            <a:endParaRPr lang="ru-RU" dirty="0">
+              <a:latin typeface="Times New Roman" panose="02020603050405020304" pitchFamily="18" charset="0"/>
+              <a:cs typeface="Times New Roman" panose="02020603050405020304" pitchFamily="18" charset="0"/>
+            </a:endParaRPr>
+          </a:p>
+        </p:txBody>
+      </p:sp>
+      <p:sp>
+        <p:nvSpPr>
+          <p:cNvPr id="5" name="Текст 4">
+            <a:extLst>
+              <a:ext uri="{FF2B5EF4-FFF2-40B4-BE49-F238E27FC236}">
+                <a16:creationId xmlns:a16="http://schemas.microsoft.com/office/drawing/2014/main" id="{0000B20E-0762-482E-A145-3594818F16E0}"/>
+              </a:ext>
+            </a:extLst>
+          </p:cNvPr>
+          <p:cNvSpPr>
+            <a:spLocks noGrp="1"/>
+          </p:cNvSpPr>
+          <p:nvPr>
+            <p:ph type="body" sz="quarter" idx="3"/>
+          </p:nvPr>
+        </p:nvSpPr>
+        <p:spPr/>
+        <p:txBody>
+          <a:bodyPr/>
+          <a:lstStyle/>
+          <a:p>
+            <a:r>
+              <a:rPr lang="ru-RU" cap="none" dirty="0">
+                <a:latin typeface="Times New Roman" panose="02020603050405020304" pitchFamily="18" charset="0"/>
+                <a:cs typeface="Times New Roman" panose="02020603050405020304" pitchFamily="18" charset="0"/>
+              </a:rPr>
+              <a:t>Использованные программы</a:t>
+            </a:r>
+          </a:p>
+        </p:txBody>
+      </p:sp>
+      <p:sp>
+        <p:nvSpPr>
+          <p:cNvPr id="6" name="Объект 5">
+            <a:extLst>
+              <a:ext uri="{FF2B5EF4-FFF2-40B4-BE49-F238E27FC236}">
+                <a16:creationId xmlns:a16="http://schemas.microsoft.com/office/drawing/2014/main" id="{E49B8791-D655-4640-BBDF-A12177A4B572}"/>
+              </a:ext>
+            </a:extLst>
+          </p:cNvPr>
+          <p:cNvSpPr>
+            <a:spLocks noGrp="1"/>
+          </p:cNvSpPr>
+          <p:nvPr>
+            <p:ph sz="quarter" idx="4"/>
+          </p:nvPr>
+        </p:nvSpPr>
+        <p:spPr/>
+        <p:txBody>
+          <a:bodyPr/>
+          <a:lstStyle/>
+          <a:p>
+            <a:r>
+              <a:rPr lang="en-US" dirty="0" err="1">
+                <a:latin typeface="Times New Roman" panose="02020603050405020304" pitchFamily="18" charset="0"/>
+                <a:cs typeface="Times New Roman" panose="02020603050405020304" pitchFamily="18" charset="0"/>
+              </a:rPr>
+              <a:t>Pycharm</a:t>
+            </a:r>
+            <a:endParaRPr lang="en-US" dirty="0">
+              <a:latin typeface="Times New Roman" panose="02020603050405020304" pitchFamily="18" charset="0"/>
+              <a:cs typeface="Times New Roman" panose="02020603050405020304" pitchFamily="18" charset="0"/>
+            </a:endParaRPr>
+          </a:p>
+          <a:p>
+            <a:r>
+              <a:rPr lang="en-US" dirty="0" err="1">
+                <a:latin typeface="Times New Roman" panose="02020603050405020304" pitchFamily="18" charset="0"/>
+                <a:cs typeface="Times New Roman" panose="02020603050405020304" pitchFamily="18" charset="0"/>
+              </a:rPr>
+              <a:t>SQLiteStudio</a:t>
+            </a:r>
+            <a:endParaRPr lang="ru-RU" dirty="0">
+              <a:latin typeface="Times New Roman" panose="02020603050405020304" pitchFamily="18" charset="0"/>
+              <a:cs typeface="Times New Roman" panose="02020603050405020304" pitchFamily="18" charset="0"/>
+            </a:endParaRPr>
+          </a:p>
+        </p:txBody>
+      </p:sp>
+    </p:spTree>
+    <p:extLst>
+      <p:ext uri="{BB962C8B-B14F-4D97-AF65-F5344CB8AC3E}">
+        <p14:creationId xmlns:p14="http://schemas.microsoft.com/office/powerpoint/2010/main" val="2997772262"/>
+      </p:ext>
+    </p:extLst>
+  </p:cSld>
+  <p:clrMapOvr>
+    <a:masterClrMapping/>
+  </p:clrMapOvr>
+</p:sld>
+</file>
+
+<file path=ppt/slides/slide21.xml><?xml version="1.0" encoding="utf-8"?>
+<p:sld xmlns:a="http://schemas.openxmlformats.org/drawingml/2006/main" xmlns:r="http://schemas.openxmlformats.org/officeDocument/2006/relationships" xmlns:p="http://schemas.openxmlformats.org/presentationml/2006/main">
+  <p:cSld>
+    <p:spTree>
+      <p:nvGrpSpPr>
+        <p:cNvPr id="1" name=""/>
+        <p:cNvGrpSpPr/>
+        <p:nvPr/>
+      </p:nvGrpSpPr>
+      <p:grpSpPr>
+        <a:xfrm>
+          <a:off x="0" y="0"/>
+          <a:ext cx="0" cy="0"/>
+          <a:chOff x="0" y="0"/>
+          <a:chExt cx="0" cy="0"/>
+        </a:xfrm>
+      </p:grpSpPr>
+      <p:sp>
+        <p:nvSpPr>
+          <p:cNvPr id="2" name="Заголовок 1">
+            <a:extLst>
+              <a:ext uri="{FF2B5EF4-FFF2-40B4-BE49-F238E27FC236}">
                 <a16:creationId xmlns:a16="http://schemas.microsoft.com/office/drawing/2014/main" id="{DCFEAFA6-E5C4-4330-972E-5DA36B82C6D3}"/>
               </a:ext>
             </a:extLst>
@@ -4908,7 +5154,7 @@
 </p:sld>
 </file>
 
-<file path=ppt/slides/slide21.xml><?xml version="1.0" encoding="utf-8"?>
+<file path=ppt/slides/slide22.xml><?xml version="1.0" encoding="utf-8"?>
 <p:sld xmlns:a="http://schemas.openxmlformats.org/drawingml/2006/main" xmlns:r="http://schemas.openxmlformats.org/officeDocument/2006/relationships" xmlns:p="http://schemas.openxmlformats.org/presentationml/2006/main">
   <p:cSld>
     <p:spTree>
